--- a/Presentations/Presentation rushhour week 6 final2.pptx
+++ b/Presentations/Presentation rushhour week 6 final2.pptx
@@ -6962,14 +6962,7 @@
                 <a:latin typeface="Arial" pitchFamily="18"/>
                 <a:ea typeface="Microsoft YaHei" pitchFamily="2"/>
               </a:rPr>
-              <a:t>Random</a:t>
-            </a:r>
-            <a:r>
-              <a:rPr lang="nl-NL" sz="2000" kern="1200" dirty="0" smtClean="0">
-                <a:latin typeface="Arial" pitchFamily="18"/>
-                <a:ea typeface="Microsoft YaHei" pitchFamily="2"/>
-              </a:rPr>
-              <a:t>			Breadth-first			Depth-first</a:t>
+              <a:t>Random			Breadth-first			Depth-first</a:t>
             </a:r>
           </a:p>
           <a:p>
@@ -7108,11 +7101,7 @@
           <a:p>
             <a:r>
               <a:rPr lang="nl-NL" dirty="0" smtClean="0"/>
-              <a:t>Board </a:t>
-            </a:r>
-            <a:r>
-              <a:rPr lang="nl-NL" dirty="0" smtClean="0"/>
-              <a:t>1: 601</a:t>
+              <a:t>Board 1: 601</a:t>
             </a:r>
           </a:p>
           <a:p>
@@ -11698,17 +11687,8 @@
             </a:pPr>
             <a:r>
               <a:rPr lang="nl-NL" sz="1600" dirty="0" smtClean="0"/>
-              <a:t>Bepaal alle </a:t>
-            </a:r>
-            <a:r>
-              <a:rPr lang="nl-NL" sz="1600" dirty="0" smtClean="0"/>
-              <a:t>mogelijke </a:t>
-            </a:r>
-            <a:r>
-              <a:rPr lang="nl-NL" sz="1600" dirty="0" smtClean="0"/>
-              <a:t>moves voor het board</a:t>
-            </a:r>
-            <a:endParaRPr lang="nl-NL" sz="1600" dirty="0" smtClean="0"/>
+              <a:t>Bepaal alle mogelijke moves voor het board</a:t>
+            </a:r>
           </a:p>
           <a:p>
             <a:pPr marL="342900" indent="-342900">
@@ -11717,25 +11697,8 @@
             </a:pPr>
             <a:r>
               <a:rPr lang="nl-NL" sz="1600" dirty="0" smtClean="0"/>
-              <a:t>D.m.v</a:t>
-            </a:r>
-            <a:r>
-              <a:rPr lang="nl-NL" sz="1600" dirty="0" smtClean="0"/>
-              <a:t>. </a:t>
-            </a:r>
-            <a:r>
-              <a:rPr lang="nl-NL" sz="1600" dirty="0" smtClean="0"/>
-              <a:t>random functie, kies </a:t>
-            </a:r>
-            <a:r>
-              <a:rPr lang="nl-NL" sz="1600" dirty="0" smtClean="0"/>
-              <a:t>éé</a:t>
-            </a:r>
-            <a:r>
-              <a:rPr lang="nl-NL" sz="1600" dirty="0" smtClean="0"/>
-              <a:t>n move</a:t>
-            </a:r>
-            <a:endParaRPr lang="nl-NL" sz="1600" dirty="0" smtClean="0"/>
+              <a:t>D.m.v. random functie, kies één move</a:t>
+            </a:r>
           </a:p>
           <a:p>
             <a:pPr marL="342900" indent="-342900">
@@ -11822,15 +11785,7 @@
             </a:pPr>
             <a:r>
               <a:rPr lang="nl-NL" sz="1600" dirty="0" smtClean="0"/>
-              <a:t>Bepaal alle </a:t>
-            </a:r>
-            <a:r>
-              <a:rPr lang="nl-NL" sz="1600" dirty="0" smtClean="0"/>
-              <a:t>mogelijke </a:t>
-            </a:r>
-            <a:r>
-              <a:rPr lang="nl-NL" sz="1600" dirty="0" smtClean="0"/>
-              <a:t>moves voor alle boards op dezelfde diepte</a:t>
+              <a:t>Bepaal alle mogelijke moves voor alle boards op dezelfde diepte</a:t>
             </a:r>
           </a:p>
           <a:p>
@@ -11888,13 +11843,7 @@
               <a:rPr lang="nl-NL" sz="1600" dirty="0" smtClean="0">
                 <a:sym typeface="Wingdings" panose="05000000000000000000" pitchFamily="2" charset="2"/>
               </a:rPr>
-              <a:t>Nee  </a:t>
-            </a:r>
-            <a:r>
-              <a:rPr lang="nl-NL" sz="1600" dirty="0" smtClean="0">
-                <a:sym typeface="Wingdings" panose="05000000000000000000" pitchFamily="2" charset="2"/>
-              </a:rPr>
-              <a:t>doorgaan</a:t>
+              <a:t>Nee  doorgaan</a:t>
             </a:r>
             <a:endParaRPr lang="nl-NL" sz="1600" dirty="0" smtClean="0"/>
           </a:p>
@@ -11917,7 +11866,6 @@
               <a:rPr lang="nl-NL" sz="1600" dirty="0" smtClean="0"/>
               <a:t>Naar boards in de volgende diepte.</a:t>
             </a:r>
-            <a:endParaRPr lang="nl-NL" sz="1600" dirty="0" smtClean="0"/>
           </a:p>
         </p:txBody>
       </p:sp>
@@ -11969,11 +11917,7 @@
             </a:pPr>
             <a:r>
               <a:rPr lang="nl-NL" sz="1600" dirty="0" smtClean="0"/>
-              <a:t>Zijn </a:t>
-            </a:r>
-            <a:r>
-              <a:rPr lang="nl-NL" sz="1600" dirty="0" smtClean="0"/>
-              <a:t>er moves?</a:t>
+              <a:t>Zijn er moves?</a:t>
             </a:r>
           </a:p>
           <a:p>
@@ -13031,7 +12975,6 @@
               <a:rPr lang="nl-NL" sz="900" dirty="0"/>
               <a:t>2</a:t>
             </a:r>
-            <a:endParaRPr lang="nl-NL" sz="900" dirty="0"/>
           </a:p>
         </p:txBody>
       </p:sp>
@@ -13061,7 +13004,6 @@
               <a:rPr lang="nl-NL" sz="900" dirty="0"/>
               <a:t>3</a:t>
             </a:r>
-            <a:endParaRPr lang="nl-NL" sz="900" dirty="0"/>
           </a:p>
         </p:txBody>
       </p:sp>

--- a/Presentations/Presentation rushhour week 6 final2.pptx
+++ b/Presentations/Presentation rushhour week 6 final2.pptx
@@ -5,10 +5,10 @@
     <p:sldMasterId id="2147483648" r:id="rId1"/>
   </p:sldMasterIdLst>
   <p:notesMasterIdLst>
-    <p:notesMasterId r:id="rId22"/>
+    <p:notesMasterId r:id="rId16"/>
   </p:notesMasterIdLst>
   <p:handoutMasterIdLst>
-    <p:handoutMasterId r:id="rId23"/>
+    <p:handoutMasterId r:id="rId17"/>
   </p:handoutMasterIdLst>
   <p:sldIdLst>
     <p:sldId id="256" r:id="rId2"/>
@@ -25,12 +25,6 @@
     <p:sldId id="273" r:id="rId13"/>
     <p:sldId id="267" r:id="rId14"/>
     <p:sldId id="268" r:id="rId15"/>
-    <p:sldId id="258" r:id="rId16"/>
-    <p:sldId id="259" r:id="rId17"/>
-    <p:sldId id="260" r:id="rId18"/>
-    <p:sldId id="261" r:id="rId19"/>
-    <p:sldId id="262" r:id="rId20"/>
-    <p:sldId id="263" r:id="rId21"/>
   </p:sldIdLst>
   <p:sldSz cx="10080625" cy="7559675"/>
   <p:notesSz cx="7559675" cy="10691813"/>
@@ -892,286 +886,6 @@
 </p:notes>
 </file>
 
-<file path=ppt/notesSlides/notesSlide10.xml><?xml version="1.0" encoding="utf-8"?>
-<p:notes xmlns:a="http://schemas.openxmlformats.org/drawingml/2006/main" xmlns:r="http://schemas.openxmlformats.org/officeDocument/2006/relationships" xmlns:p="http://schemas.openxmlformats.org/presentationml/2006/main">
-  <p:cSld>
-    <p:spTree>
-      <p:nvGrpSpPr>
-        <p:cNvPr id="1" name=""/>
-        <p:cNvGrpSpPr/>
-        <p:nvPr/>
-      </p:nvGrpSpPr>
-      <p:grpSpPr>
-        <a:xfrm>
-          <a:off x="0" y="0"/>
-          <a:ext cx="0" cy="0"/>
-          <a:chOff x="0" y="0"/>
-          <a:chExt cx="0" cy="0"/>
-        </a:xfrm>
-      </p:grpSpPr>
-      <p:sp>
-        <p:nvSpPr>
-          <p:cNvPr id="2" name="Slide Image Placeholder 1"/>
-          <p:cNvSpPr>
-            <a:spLocks noGrp="1" noRot="1" noChangeAspect="1"/>
-          </p:cNvSpPr>
-          <p:nvPr>
-            <p:ph type="sldImg"/>
-          </p:nvPr>
-        </p:nvSpPr>
-        <p:spPr>
-          <a:xfrm>
-            <a:off x="1106488" y="812800"/>
-            <a:ext cx="5345112" cy="4008438"/>
-          </a:xfrm>
-          <a:solidFill>
-            <a:srgbClr val="4F81BD"/>
-          </a:solidFill>
-          <a:ln w="25402">
-            <a:solidFill>
-              <a:srgbClr val="385D8A"/>
-            </a:solidFill>
-            <a:prstDash val="solid"/>
-          </a:ln>
-        </p:spPr>
-      </p:sp>
-      <p:sp>
-        <p:nvSpPr>
-          <p:cNvPr id="3" name="Notes Placeholder 2"/>
-          <p:cNvSpPr txBox="1">
-            <a:spLocks noGrp="1"/>
-          </p:cNvSpPr>
-          <p:nvPr>
-            <p:ph type="body" sz="quarter" idx="1"/>
-          </p:nvPr>
-        </p:nvSpPr>
-        <p:spPr/>
-        <p:txBody>
-          <a:bodyPr/>
-          <a:lstStyle/>
-          <a:p>
-            <a:endParaRPr lang="en-US"/>
-          </a:p>
-        </p:txBody>
-      </p:sp>
-    </p:spTree>
-  </p:cSld>
-  <p:clrMapOvr>
-    <a:masterClrMapping/>
-  </p:clrMapOvr>
-</p:notes>
-</file>
-
-<file path=ppt/notesSlides/notesSlide11.xml><?xml version="1.0" encoding="utf-8"?>
-<p:notes xmlns:a="http://schemas.openxmlformats.org/drawingml/2006/main" xmlns:r="http://schemas.openxmlformats.org/officeDocument/2006/relationships" xmlns:p="http://schemas.openxmlformats.org/presentationml/2006/main">
-  <p:cSld>
-    <p:spTree>
-      <p:nvGrpSpPr>
-        <p:cNvPr id="1" name=""/>
-        <p:cNvGrpSpPr/>
-        <p:nvPr/>
-      </p:nvGrpSpPr>
-      <p:grpSpPr>
-        <a:xfrm>
-          <a:off x="0" y="0"/>
-          <a:ext cx="0" cy="0"/>
-          <a:chOff x="0" y="0"/>
-          <a:chExt cx="0" cy="0"/>
-        </a:xfrm>
-      </p:grpSpPr>
-      <p:sp>
-        <p:nvSpPr>
-          <p:cNvPr id="2" name="Slide Image Placeholder 1"/>
-          <p:cNvSpPr>
-            <a:spLocks noGrp="1" noRot="1" noChangeAspect="1"/>
-          </p:cNvSpPr>
-          <p:nvPr>
-            <p:ph type="sldImg"/>
-          </p:nvPr>
-        </p:nvSpPr>
-        <p:spPr>
-          <a:xfrm>
-            <a:off x="1106488" y="812800"/>
-            <a:ext cx="5345112" cy="4008438"/>
-          </a:xfrm>
-          <a:solidFill>
-            <a:srgbClr val="4F81BD"/>
-          </a:solidFill>
-          <a:ln w="25402">
-            <a:solidFill>
-              <a:srgbClr val="385D8A"/>
-            </a:solidFill>
-            <a:prstDash val="solid"/>
-          </a:ln>
-        </p:spPr>
-      </p:sp>
-      <p:sp>
-        <p:nvSpPr>
-          <p:cNvPr id="3" name="Notes Placeholder 2"/>
-          <p:cNvSpPr txBox="1">
-            <a:spLocks noGrp="1"/>
-          </p:cNvSpPr>
-          <p:nvPr>
-            <p:ph type="body" sz="quarter" idx="1"/>
-          </p:nvPr>
-        </p:nvSpPr>
-        <p:spPr/>
-        <p:txBody>
-          <a:bodyPr/>
-          <a:lstStyle/>
-          <a:p>
-            <a:endParaRPr lang="en-US"/>
-          </a:p>
-        </p:txBody>
-      </p:sp>
-    </p:spTree>
-  </p:cSld>
-  <p:clrMapOvr>
-    <a:masterClrMapping/>
-  </p:clrMapOvr>
-</p:notes>
-</file>
-
-<file path=ppt/notesSlides/notesSlide12.xml><?xml version="1.0" encoding="utf-8"?>
-<p:notes xmlns:a="http://schemas.openxmlformats.org/drawingml/2006/main" xmlns:r="http://schemas.openxmlformats.org/officeDocument/2006/relationships" xmlns:p="http://schemas.openxmlformats.org/presentationml/2006/main">
-  <p:cSld>
-    <p:spTree>
-      <p:nvGrpSpPr>
-        <p:cNvPr id="1" name=""/>
-        <p:cNvGrpSpPr/>
-        <p:nvPr/>
-      </p:nvGrpSpPr>
-      <p:grpSpPr>
-        <a:xfrm>
-          <a:off x="0" y="0"/>
-          <a:ext cx="0" cy="0"/>
-          <a:chOff x="0" y="0"/>
-          <a:chExt cx="0" cy="0"/>
-        </a:xfrm>
-      </p:grpSpPr>
-      <p:sp>
-        <p:nvSpPr>
-          <p:cNvPr id="2" name="Slide Image Placeholder 1"/>
-          <p:cNvSpPr>
-            <a:spLocks noGrp="1" noRot="1" noChangeAspect="1"/>
-          </p:cNvSpPr>
-          <p:nvPr>
-            <p:ph type="sldImg"/>
-          </p:nvPr>
-        </p:nvSpPr>
-        <p:spPr>
-          <a:xfrm>
-            <a:off x="1106488" y="812800"/>
-            <a:ext cx="5345112" cy="4008438"/>
-          </a:xfrm>
-          <a:solidFill>
-            <a:srgbClr val="4F81BD"/>
-          </a:solidFill>
-          <a:ln w="25402">
-            <a:solidFill>
-              <a:srgbClr val="385D8A"/>
-            </a:solidFill>
-            <a:prstDash val="solid"/>
-          </a:ln>
-        </p:spPr>
-      </p:sp>
-      <p:sp>
-        <p:nvSpPr>
-          <p:cNvPr id="3" name="Notes Placeholder 2"/>
-          <p:cNvSpPr txBox="1">
-            <a:spLocks noGrp="1"/>
-          </p:cNvSpPr>
-          <p:nvPr>
-            <p:ph type="body" sz="quarter" idx="1"/>
-          </p:nvPr>
-        </p:nvSpPr>
-        <p:spPr/>
-        <p:txBody>
-          <a:bodyPr/>
-          <a:lstStyle/>
-          <a:p>
-            <a:endParaRPr lang="en-US"/>
-          </a:p>
-        </p:txBody>
-      </p:sp>
-    </p:spTree>
-  </p:cSld>
-  <p:clrMapOvr>
-    <a:masterClrMapping/>
-  </p:clrMapOvr>
-</p:notes>
-</file>
-
-<file path=ppt/notesSlides/notesSlide13.xml><?xml version="1.0" encoding="utf-8"?>
-<p:notes xmlns:a="http://schemas.openxmlformats.org/drawingml/2006/main" xmlns:r="http://schemas.openxmlformats.org/officeDocument/2006/relationships" xmlns:p="http://schemas.openxmlformats.org/presentationml/2006/main">
-  <p:cSld>
-    <p:spTree>
-      <p:nvGrpSpPr>
-        <p:cNvPr id="1" name=""/>
-        <p:cNvGrpSpPr/>
-        <p:nvPr/>
-      </p:nvGrpSpPr>
-      <p:grpSpPr>
-        <a:xfrm>
-          <a:off x="0" y="0"/>
-          <a:ext cx="0" cy="0"/>
-          <a:chOff x="0" y="0"/>
-          <a:chExt cx="0" cy="0"/>
-        </a:xfrm>
-      </p:grpSpPr>
-      <p:sp>
-        <p:nvSpPr>
-          <p:cNvPr id="2" name="Slide Image Placeholder 1"/>
-          <p:cNvSpPr>
-            <a:spLocks noGrp="1" noRot="1" noChangeAspect="1"/>
-          </p:cNvSpPr>
-          <p:nvPr>
-            <p:ph type="sldImg"/>
-          </p:nvPr>
-        </p:nvSpPr>
-        <p:spPr>
-          <a:xfrm>
-            <a:off x="1106488" y="812800"/>
-            <a:ext cx="5345112" cy="4008438"/>
-          </a:xfrm>
-          <a:solidFill>
-            <a:srgbClr val="4F81BD"/>
-          </a:solidFill>
-          <a:ln w="25402">
-            <a:solidFill>
-              <a:srgbClr val="385D8A"/>
-            </a:solidFill>
-            <a:prstDash val="solid"/>
-          </a:ln>
-        </p:spPr>
-      </p:sp>
-      <p:sp>
-        <p:nvSpPr>
-          <p:cNvPr id="3" name="Notes Placeholder 2"/>
-          <p:cNvSpPr txBox="1">
-            <a:spLocks noGrp="1"/>
-          </p:cNvSpPr>
-          <p:nvPr>
-            <p:ph type="body" sz="quarter" idx="1"/>
-          </p:nvPr>
-        </p:nvSpPr>
-        <p:spPr/>
-        <p:txBody>
-          <a:bodyPr/>
-          <a:lstStyle/>
-          <a:p>
-            <a:endParaRPr lang="en-US"/>
-          </a:p>
-        </p:txBody>
-      </p:sp>
-    </p:spTree>
-  </p:cSld>
-  <p:clrMapOvr>
-    <a:masterClrMapping/>
-  </p:clrMapOvr>
-</p:notes>
-</file>
-
 <file path=ppt/notesSlides/notesSlide2.xml><?xml version="1.0" encoding="utf-8"?>
 <p:notes xmlns:a="http://schemas.openxmlformats.org/drawingml/2006/main" xmlns:r="http://schemas.openxmlformats.org/officeDocument/2006/relationships" xmlns:p="http://schemas.openxmlformats.org/presentationml/2006/main">
   <p:cSld>
@@ -1523,146 +1237,6 @@
 </file>
 
 <file path=ppt/notesSlides/notesSlide7.xml><?xml version="1.0" encoding="utf-8"?>
-<p:notes xmlns:a="http://schemas.openxmlformats.org/drawingml/2006/main" xmlns:r="http://schemas.openxmlformats.org/officeDocument/2006/relationships" xmlns:p="http://schemas.openxmlformats.org/presentationml/2006/main">
-  <p:cSld>
-    <p:spTree>
-      <p:nvGrpSpPr>
-        <p:cNvPr id="1" name=""/>
-        <p:cNvGrpSpPr/>
-        <p:nvPr/>
-      </p:nvGrpSpPr>
-      <p:grpSpPr>
-        <a:xfrm>
-          <a:off x="0" y="0"/>
-          <a:ext cx="0" cy="0"/>
-          <a:chOff x="0" y="0"/>
-          <a:chExt cx="0" cy="0"/>
-        </a:xfrm>
-      </p:grpSpPr>
-      <p:sp>
-        <p:nvSpPr>
-          <p:cNvPr id="2" name="Slide Image Placeholder 1"/>
-          <p:cNvSpPr>
-            <a:spLocks noGrp="1" noRot="1" noChangeAspect="1"/>
-          </p:cNvSpPr>
-          <p:nvPr>
-            <p:ph type="sldImg"/>
-          </p:nvPr>
-        </p:nvSpPr>
-        <p:spPr>
-          <a:xfrm>
-            <a:off x="1106488" y="812800"/>
-            <a:ext cx="5345112" cy="4008438"/>
-          </a:xfrm>
-          <a:solidFill>
-            <a:srgbClr val="4F81BD"/>
-          </a:solidFill>
-          <a:ln w="25402">
-            <a:solidFill>
-              <a:srgbClr val="385D8A"/>
-            </a:solidFill>
-            <a:prstDash val="solid"/>
-          </a:ln>
-        </p:spPr>
-      </p:sp>
-      <p:sp>
-        <p:nvSpPr>
-          <p:cNvPr id="3" name="Notes Placeholder 2"/>
-          <p:cNvSpPr txBox="1">
-            <a:spLocks noGrp="1"/>
-          </p:cNvSpPr>
-          <p:nvPr>
-            <p:ph type="body" sz="quarter" idx="1"/>
-          </p:nvPr>
-        </p:nvSpPr>
-        <p:spPr/>
-        <p:txBody>
-          <a:bodyPr/>
-          <a:lstStyle/>
-          <a:p>
-            <a:endParaRPr lang="en-US"/>
-          </a:p>
-        </p:txBody>
-      </p:sp>
-    </p:spTree>
-  </p:cSld>
-  <p:clrMapOvr>
-    <a:masterClrMapping/>
-  </p:clrMapOvr>
-</p:notes>
-</file>
-
-<file path=ppt/notesSlides/notesSlide8.xml><?xml version="1.0" encoding="utf-8"?>
-<p:notes xmlns:a="http://schemas.openxmlformats.org/drawingml/2006/main" xmlns:r="http://schemas.openxmlformats.org/officeDocument/2006/relationships" xmlns:p="http://schemas.openxmlformats.org/presentationml/2006/main">
-  <p:cSld>
-    <p:spTree>
-      <p:nvGrpSpPr>
-        <p:cNvPr id="1" name=""/>
-        <p:cNvGrpSpPr/>
-        <p:nvPr/>
-      </p:nvGrpSpPr>
-      <p:grpSpPr>
-        <a:xfrm>
-          <a:off x="0" y="0"/>
-          <a:ext cx="0" cy="0"/>
-          <a:chOff x="0" y="0"/>
-          <a:chExt cx="0" cy="0"/>
-        </a:xfrm>
-      </p:grpSpPr>
-      <p:sp>
-        <p:nvSpPr>
-          <p:cNvPr id="2" name="Slide Image Placeholder 1"/>
-          <p:cNvSpPr>
-            <a:spLocks noGrp="1" noRot="1" noChangeAspect="1"/>
-          </p:cNvSpPr>
-          <p:nvPr>
-            <p:ph type="sldImg"/>
-          </p:nvPr>
-        </p:nvSpPr>
-        <p:spPr>
-          <a:xfrm>
-            <a:off x="1106488" y="812800"/>
-            <a:ext cx="5345112" cy="4008438"/>
-          </a:xfrm>
-          <a:solidFill>
-            <a:srgbClr val="4F81BD"/>
-          </a:solidFill>
-          <a:ln w="25402">
-            <a:solidFill>
-              <a:srgbClr val="385D8A"/>
-            </a:solidFill>
-            <a:prstDash val="solid"/>
-          </a:ln>
-        </p:spPr>
-      </p:sp>
-      <p:sp>
-        <p:nvSpPr>
-          <p:cNvPr id="3" name="Notes Placeholder 2"/>
-          <p:cNvSpPr txBox="1">
-            <a:spLocks noGrp="1"/>
-          </p:cNvSpPr>
-          <p:nvPr>
-            <p:ph type="body" sz="quarter" idx="1"/>
-          </p:nvPr>
-        </p:nvSpPr>
-        <p:spPr/>
-        <p:txBody>
-          <a:bodyPr/>
-          <a:lstStyle/>
-          <a:p>
-            <a:endParaRPr lang="en-US"/>
-          </a:p>
-        </p:txBody>
-      </p:sp>
-    </p:spTree>
-  </p:cSld>
-  <p:clrMapOvr>
-    <a:masterClrMapping/>
-  </p:clrMapOvr>
-</p:notes>
-</file>
-
-<file path=ppt/notesSlides/notesSlide9.xml><?xml version="1.0" encoding="utf-8"?>
 <p:notes xmlns:a="http://schemas.openxmlformats.org/drawingml/2006/main" xmlns:r="http://schemas.openxmlformats.org/officeDocument/2006/relationships" xmlns:p="http://schemas.openxmlformats.org/presentationml/2006/main">
   <p:cSld>
     <p:spTree>
@@ -4805,7 +4379,12 @@
             <p:ph type="subTitle" idx="1"/>
           </p:nvPr>
         </p:nvSpPr>
-        <p:spPr/>
+        <p:spPr>
+          <a:xfrm>
+            <a:off x="756044" y="6076593"/>
+            <a:ext cx="8988561" cy="446276"/>
+          </a:xfrm>
+        </p:spPr>
         <p:txBody>
           <a:bodyPr anchor="ctr" anchorCtr="1">
             <a:spAutoFit/>
@@ -4814,9 +4393,14 @@
           <a:p>
             <a:pPr lvl="0" algn="ctr"/>
             <a:r>
-              <a:rPr lang="nl-NL"/>
-              <a:t>Kyra Kieskamp &amp; Oscar Keur</a:t>
-            </a:r>
+              <a:rPr lang="nl-NL" dirty="0"/>
+              <a:t>Kyra Kieskamp &amp; Oscar </a:t>
+            </a:r>
+            <a:r>
+              <a:rPr lang="nl-NL" dirty="0" smtClean="0"/>
+              <a:t>Keur (Boodschappenlijstje)</a:t>
+            </a:r>
+            <a:endParaRPr lang="nl-NL" dirty="0"/>
           </a:p>
         </p:txBody>
       </p:sp>
@@ -7907,9 +7491,9 @@
 </p:sld>
 </file>
 
-<file path=ppt/slides/slide15.xml><?xml version="1.0" encoding="utf-8"?>
-<p:sld xmlns:a="http://schemas.openxmlformats.org/drawingml/2006/main" xmlns:r="http://schemas.openxmlformats.org/officeDocument/2006/relationships" xmlns:p="http://schemas.openxmlformats.org/presentationml/2006/main" show="0">
-  <p:cSld name="page3">
+<file path=ppt/slides/slide2.xml><?xml version="1.0" encoding="utf-8"?>
+<p:sld xmlns:a="http://schemas.openxmlformats.org/drawingml/2006/main" xmlns:r="http://schemas.openxmlformats.org/officeDocument/2006/relationships" xmlns:p="http://schemas.openxmlformats.org/presentationml/2006/main">
+  <p:cSld name="page2">
     <p:spTree>
       <p:nvGrpSpPr>
         <p:cNvPr id="1" name=""/>
@@ -7946,9 +7530,10 @@
           <a:p>
             <a:pPr lvl="0" algn="r"/>
             <a:r>
-              <a:rPr lang="nl-NL"/>
-              <a:t>Data input</a:t>
-            </a:r>
+              <a:rPr lang="nl-NL" dirty="0" smtClean="0"/>
+              <a:t>Het probleem</a:t>
+            </a:r>
+            <a:endParaRPr lang="nl-NL" dirty="0"/>
           </a:p>
         </p:txBody>
       </p:sp>
@@ -7964,13 +7549,65 @@
         </p:nvSpPr>
         <p:spPr>
           <a:xfrm>
-            <a:off x="0" y="1768477"/>
-            <a:ext cx="9072567" cy="4989515"/>
+            <a:off x="287779" y="1768477"/>
+            <a:ext cx="9217029" cy="4989515"/>
           </a:xfrm>
         </p:spPr>
         <p:txBody>
           <a:bodyPr/>
           <a:lstStyle/>
+          <a:p>
+            <a:pPr marL="108000" lvl="0" indent="0" algn="ctr">
+              <a:spcBef>
+                <a:spcPts val="0"/>
+              </a:spcBef>
+              <a:spcAft>
+                <a:spcPts val="1415"/>
+              </a:spcAft>
+              <a:buSzPct val="45000"/>
+              <a:buNone/>
+            </a:pPr>
+            <a:r>
+              <a:rPr lang="nl-NL" sz="2000" b="1" kern="1200" dirty="0" smtClean="0">
+                <a:latin typeface="Arial" pitchFamily="18"/>
+                <a:ea typeface="Microsoft YaHei" pitchFamily="2"/>
+              </a:rPr>
+              <a:t>Doel: </a:t>
+            </a:r>
+            <a:r>
+              <a:rPr lang="nl-NL" sz="2000" kern="1200" dirty="0" smtClean="0">
+                <a:latin typeface="Arial" pitchFamily="18"/>
+                <a:ea typeface="Microsoft YaHei" pitchFamily="2"/>
+              </a:rPr>
+              <a:t>De rode auto naar de opening (rechts) op het bord krijgen. </a:t>
+            </a:r>
+          </a:p>
+          <a:p>
+            <a:pPr marL="108000" lvl="0" indent="0" algn="ctr">
+              <a:spcBef>
+                <a:spcPts val="0"/>
+              </a:spcBef>
+              <a:spcAft>
+                <a:spcPts val="1415"/>
+              </a:spcAft>
+              <a:buSzPct val="45000"/>
+              <a:buNone/>
+            </a:pPr>
+            <a:r>
+              <a:rPr lang="nl-NL" sz="2000" b="1" kern="1200" dirty="0" smtClean="0">
+                <a:latin typeface="Arial" pitchFamily="18"/>
+                <a:ea typeface="Microsoft YaHei" pitchFamily="2"/>
+              </a:rPr>
+              <a:t>Probleem: </a:t>
+            </a:r>
+            <a:r>
+              <a:rPr lang="nl-NL" sz="2000" kern="1200" dirty="0" smtClean="0">
+                <a:latin typeface="Arial" pitchFamily="18"/>
+                <a:ea typeface="Microsoft YaHei" pitchFamily="2"/>
+              </a:rPr>
+              <a:t>Andere auto’s staan tussen de rode auto en de ‘uitgang’.</a:t>
+            </a:r>
+          </a:p>
           <a:p>
             <a:pPr marL="431999" lvl="0" indent="-323999">
               <a:spcBef>
@@ -7983,13 +7620,129 @@
               <a:buFont typeface="StarSymbol"/>
               <a:buChar char="●"/>
             </a:pPr>
-            <a:r>
-              <a:rPr lang="nl-NL" sz="3200" kern="1200">
-                <a:latin typeface="Arial" pitchFamily="18"/>
-                <a:ea typeface="Microsoft YaHei" pitchFamily="2"/>
-              </a:rPr>
-              <a:t>Board and cars</a:t>
-            </a:r>
+            <a:endParaRPr lang="nl-NL" sz="2000" kern="1200" dirty="0" smtClean="0">
+              <a:latin typeface="Arial" pitchFamily="18"/>
+              <a:ea typeface="Microsoft YaHei" pitchFamily="2"/>
+            </a:endParaRPr>
+          </a:p>
+          <a:p>
+            <a:pPr marL="431999" lvl="0" indent="-323999">
+              <a:spcBef>
+                <a:spcPts val="0"/>
+              </a:spcBef>
+              <a:spcAft>
+                <a:spcPts val="1415"/>
+              </a:spcAft>
+              <a:buSzPct val="45000"/>
+              <a:buFont typeface="StarSymbol"/>
+              <a:buChar char="●"/>
+            </a:pPr>
+            <a:endParaRPr lang="nl-NL" sz="2000" kern="1200" dirty="0">
+              <a:latin typeface="Arial" pitchFamily="18"/>
+              <a:ea typeface="Microsoft YaHei" pitchFamily="2"/>
+            </a:endParaRPr>
+          </a:p>
+          <a:p>
+            <a:pPr marL="431999" lvl="0" indent="-323999">
+              <a:spcBef>
+                <a:spcPts val="0"/>
+              </a:spcBef>
+              <a:spcAft>
+                <a:spcPts val="1415"/>
+              </a:spcAft>
+              <a:buSzPct val="45000"/>
+              <a:buFont typeface="StarSymbol"/>
+              <a:buChar char="●"/>
+            </a:pPr>
+            <a:endParaRPr lang="nl-NL" sz="2000" kern="1200" dirty="0" smtClean="0">
+              <a:latin typeface="Arial" pitchFamily="18"/>
+              <a:ea typeface="Microsoft YaHei" pitchFamily="2"/>
+            </a:endParaRPr>
+          </a:p>
+          <a:p>
+            <a:pPr marL="431999" lvl="0" indent="-323999">
+              <a:spcBef>
+                <a:spcPts val="0"/>
+              </a:spcBef>
+              <a:spcAft>
+                <a:spcPts val="1415"/>
+              </a:spcAft>
+              <a:buSzPct val="45000"/>
+              <a:buFont typeface="StarSymbol"/>
+              <a:buChar char="●"/>
+            </a:pPr>
+            <a:endParaRPr lang="nl-NL" sz="2000" kern="1200" dirty="0">
+              <a:latin typeface="Arial" pitchFamily="18"/>
+              <a:ea typeface="Microsoft YaHei" pitchFamily="2"/>
+            </a:endParaRPr>
+          </a:p>
+          <a:p>
+            <a:pPr marL="431999" lvl="0" indent="-323999">
+              <a:spcBef>
+                <a:spcPts val="0"/>
+              </a:spcBef>
+              <a:spcAft>
+                <a:spcPts val="1415"/>
+              </a:spcAft>
+              <a:buSzPct val="45000"/>
+              <a:buFont typeface="StarSymbol"/>
+              <a:buChar char="●"/>
+            </a:pPr>
+            <a:endParaRPr lang="nl-NL" sz="2000" kern="1200" dirty="0" smtClean="0">
+              <a:latin typeface="Arial" pitchFamily="18"/>
+              <a:ea typeface="Microsoft YaHei" pitchFamily="2"/>
+            </a:endParaRPr>
+          </a:p>
+          <a:p>
+            <a:pPr marL="431999" lvl="0" indent="-323999">
+              <a:spcBef>
+                <a:spcPts val="0"/>
+              </a:spcBef>
+              <a:spcAft>
+                <a:spcPts val="1415"/>
+              </a:spcAft>
+              <a:buSzPct val="45000"/>
+              <a:buFont typeface="StarSymbol"/>
+              <a:buChar char="●"/>
+            </a:pPr>
+            <a:endParaRPr lang="nl-NL" sz="2000" kern="1200" dirty="0">
+              <a:latin typeface="Arial" pitchFamily="18"/>
+              <a:ea typeface="Microsoft YaHei" pitchFamily="2"/>
+            </a:endParaRPr>
+          </a:p>
+          <a:p>
+            <a:pPr marL="431999" lvl="0" indent="-323999">
+              <a:spcBef>
+                <a:spcPts val="0"/>
+              </a:spcBef>
+              <a:spcAft>
+                <a:spcPts val="1415"/>
+              </a:spcAft>
+              <a:buSzPct val="45000"/>
+              <a:buFont typeface="StarSymbol"/>
+              <a:buChar char="●"/>
+            </a:pPr>
+            <a:endParaRPr lang="nl-NL" sz="2000" kern="1200" dirty="0" smtClean="0">
+              <a:latin typeface="Arial" pitchFamily="18"/>
+              <a:ea typeface="Microsoft YaHei" pitchFamily="2"/>
+            </a:endParaRPr>
+          </a:p>
+          <a:p>
+            <a:pPr marL="431999" lvl="0" indent="-323999">
+              <a:spcBef>
+                <a:spcPts val="0"/>
+              </a:spcBef>
+              <a:spcAft>
+                <a:spcPts val="1415"/>
+              </a:spcAft>
+              <a:buSzPct val="45000"/>
+              <a:buFont typeface="StarSymbol"/>
+              <a:buChar char="●"/>
+            </a:pPr>
+            <a:endParaRPr lang="nl-NL" sz="2000" kern="1200" dirty="0">
+              <a:latin typeface="Arial" pitchFamily="18"/>
+              <a:ea typeface="Microsoft YaHei" pitchFamily="2"/>
+            </a:endParaRPr>
           </a:p>
         </p:txBody>
       </p:sp>
@@ -8013,2296 +7766,6 @@
         </p:blipFill>
         <p:spPr>
           <a:xfrm>
-            <a:off x="359788" y="2376004"/>
-            <a:ext cx="5255852" cy="2843994"/>
-          </a:xfrm>
-          <a:prstGeom prst="rect">
-            <a:avLst/>
-          </a:prstGeom>
-          <a:noFill/>
-          <a:ln>
-            <a:noFill/>
-          </a:ln>
-        </p:spPr>
-      </p:pic>
-      <p:pic>
-        <p:nvPicPr>
-          <p:cNvPr id="5" name="Picture 4"/>
-          <p:cNvPicPr>
-            <a:picLocks noChangeAspect="1"/>
-          </p:cNvPicPr>
-          <p:nvPr/>
-        </p:nvPicPr>
-        <p:blipFill>
-          <a:blip r:embed="rId4">
-            <a:lum/>
-            <a:alphaModFix/>
-          </a:blip>
-          <a:srcRect/>
-          <a:stretch>
-            <a:fillRect/>
-          </a:stretch>
-        </p:blipFill>
-        <p:spPr>
-          <a:xfrm>
-            <a:off x="5615641" y="2376004"/>
-            <a:ext cx="3960001" cy="3744001"/>
-          </a:xfrm>
-          <a:prstGeom prst="rect">
-            <a:avLst/>
-          </a:prstGeom>
-          <a:noFill/>
-          <a:ln>
-            <a:noFill/>
-          </a:ln>
-        </p:spPr>
-      </p:pic>
-    </p:spTree>
-  </p:cSld>
-  <p:clrMapOvr>
-    <a:masterClrMapping/>
-  </p:clrMapOvr>
-  <mc:AlternateContent xmlns:mc="http://schemas.openxmlformats.org/markup-compatibility/2006" xmlns:p14="http://schemas.microsoft.com/office/powerpoint/2010/main">
-    <mc:Choice Requires="p14">
-      <p:transition spd="slow" p14:dur="2000"/>
-    </mc:Choice>
-    <mc:Fallback xmlns="">
-      <p:transition spd="slow"/>
-    </mc:Fallback>
-  </mc:AlternateContent>
-  <p:timing>
-    <p:tnLst>
-      <p:par>
-        <p:cTn id="1" dur="indefinite" restart="never" nodeType="tmRoot"/>
-      </p:par>
-    </p:tnLst>
-  </p:timing>
-</p:sld>
-</file>
-
-<file path=ppt/slides/slide16.xml><?xml version="1.0" encoding="utf-8"?>
-<p:sld xmlns:a="http://schemas.openxmlformats.org/drawingml/2006/main" xmlns:r="http://schemas.openxmlformats.org/officeDocument/2006/relationships" xmlns:p="http://schemas.openxmlformats.org/presentationml/2006/main" show="0">
-  <p:cSld name="page4">
-    <p:spTree>
-      <p:nvGrpSpPr>
-        <p:cNvPr id="1" name=""/>
-        <p:cNvGrpSpPr/>
-        <p:nvPr/>
-      </p:nvGrpSpPr>
-      <p:grpSpPr>
-        <a:xfrm>
-          <a:off x="0" y="0"/>
-          <a:ext cx="0" cy="0"/>
-          <a:chOff x="0" y="0"/>
-          <a:chExt cx="0" cy="0"/>
-        </a:xfrm>
-      </p:grpSpPr>
-      <p:sp>
-        <p:nvSpPr>
-          <p:cNvPr id="2" name="Title 1"/>
-          <p:cNvSpPr txBox="1">
-            <a:spLocks noGrp="1"/>
-          </p:cNvSpPr>
-          <p:nvPr>
-            <p:ph type="title" idx="4294967295"/>
-          </p:nvPr>
-        </p:nvSpPr>
-        <p:spPr>
-          <a:xfrm>
-            <a:off x="0" y="301623"/>
-            <a:ext cx="9936857" cy="1262064"/>
-          </a:xfrm>
-        </p:spPr>
-        <p:txBody>
-          <a:bodyPr/>
-          <a:lstStyle/>
-          <a:p>
-            <a:pPr lvl="0" algn="r"/>
-            <a:r>
-              <a:rPr lang="nl-NL"/>
-              <a:t>Data representation in program</a:t>
-            </a:r>
-          </a:p>
-        </p:txBody>
-      </p:sp>
-      <p:pic>
-        <p:nvPicPr>
-          <p:cNvPr id="3" name="Picture 3"/>
-          <p:cNvPicPr>
-            <a:picLocks noChangeAspect="1"/>
-          </p:cNvPicPr>
-          <p:nvPr/>
-        </p:nvPicPr>
-        <p:blipFill>
-          <a:blip r:embed="rId3">
-            <a:lum/>
-            <a:alphaModFix/>
-          </a:blip>
-          <a:srcRect/>
-          <a:stretch>
-            <a:fillRect/>
-          </a:stretch>
-        </p:blipFill>
-        <p:spPr>
-          <a:xfrm>
-            <a:off x="2147038" y="2689195"/>
-            <a:ext cx="4548957" cy="3934800"/>
-          </a:xfrm>
-          <a:prstGeom prst="rect">
-            <a:avLst/>
-          </a:prstGeom>
-          <a:noFill/>
-          <a:ln>
-            <a:noFill/>
-          </a:ln>
-        </p:spPr>
-      </p:pic>
-      <p:sp>
-        <p:nvSpPr>
-          <p:cNvPr id="4" name="TextBox 4"/>
-          <p:cNvSpPr txBox="1"/>
-          <p:nvPr/>
-        </p:nvSpPr>
-        <p:spPr>
-          <a:xfrm>
-            <a:off x="1655996" y="1772637"/>
-            <a:ext cx="7066080" cy="603357"/>
-          </a:xfrm>
-          <a:prstGeom prst="rect">
-            <a:avLst/>
-          </a:prstGeom>
-          <a:noFill/>
-          <a:ln>
-            <a:noFill/>
-          </a:ln>
-        </p:spPr>
-        <p:txBody>
-          <a:bodyPr vert="horz" wrap="none" lIns="90004" tIns="44997" rIns="90004" bIns="44997" anchor="t" anchorCtr="0" compatLnSpc="0"/>
-          <a:lstStyle/>
-          <a:p>
-            <a:pPr marL="0" marR="0" lvl="0" indent="0" algn="l" defTabSz="914400" rtl="0" fontAlgn="auto" hangingPunct="0">
-              <a:lnSpc>
-                <a:spcPct val="100000"/>
-              </a:lnSpc>
-              <a:spcBef>
-                <a:spcPts val="0"/>
-              </a:spcBef>
-              <a:spcAft>
-                <a:spcPts val="0"/>
-              </a:spcAft>
-              <a:buNone/>
-              <a:tabLst/>
-              <a:defRPr sz="1800" b="0" i="0" u="none" strike="noStrike" kern="0" cap="none" spc="0" baseline="0">
-                <a:solidFill>
-                  <a:srgbClr val="000000"/>
-                </a:solidFill>
-                <a:uFillTx/>
-              </a:defRPr>
-            </a:pPr>
-            <a:r>
-              <a:rPr lang="nl-NL" sz="1800" b="0" i="0" u="none" strike="noStrike" kern="1200" cap="none" spc="0" baseline="0" dirty="0" err="1">
-                <a:solidFill>
-                  <a:srgbClr val="000000"/>
-                </a:solidFill>
-                <a:uFillTx/>
-                <a:latin typeface="Arial" pitchFamily="18"/>
-                <a:ea typeface="Microsoft YaHei" pitchFamily="2"/>
-                <a:cs typeface="Mangal" pitchFamily="2"/>
-              </a:rPr>
-              <a:t>cars</a:t>
-            </a:r>
-            <a:r>
-              <a:rPr lang="nl-NL" sz="1800" b="0" i="0" u="none" strike="noStrike" kern="1200" cap="none" spc="0" baseline="0" dirty="0">
-                <a:solidFill>
-                  <a:srgbClr val="000000"/>
-                </a:solidFill>
-                <a:uFillTx/>
-                <a:latin typeface="Arial" pitchFamily="18"/>
-                <a:ea typeface="Microsoft YaHei" pitchFamily="2"/>
-                <a:cs typeface="Mangal" pitchFamily="2"/>
-              </a:rPr>
-              <a:t> = []         	# list of list </a:t>
-            </a:r>
-            <a:r>
-              <a:rPr lang="nl-NL" sz="1800" b="0" i="0" u="none" strike="noStrike" kern="1200" cap="none" spc="0" baseline="0" dirty="0" err="1">
-                <a:solidFill>
-                  <a:srgbClr val="000000"/>
-                </a:solidFill>
-                <a:uFillTx/>
-                <a:latin typeface="Arial" pitchFamily="18"/>
-                <a:ea typeface="Microsoft YaHei" pitchFamily="2"/>
-                <a:cs typeface="Mangal" pitchFamily="2"/>
-              </a:rPr>
-              <a:t>with</a:t>
-            </a:r>
-            <a:r>
-              <a:rPr lang="nl-NL" sz="1800" b="0" i="0" u="none" strike="noStrike" kern="1200" cap="none" spc="0" baseline="0" dirty="0">
-                <a:solidFill>
-                  <a:srgbClr val="000000"/>
-                </a:solidFill>
-                <a:uFillTx/>
-                <a:latin typeface="Arial" pitchFamily="18"/>
-                <a:ea typeface="Microsoft YaHei" pitchFamily="2"/>
-                <a:cs typeface="Mangal" pitchFamily="2"/>
-              </a:rPr>
-              <a:t> ID, </a:t>
-            </a:r>
-            <a:r>
-              <a:rPr lang="nl-NL" sz="1800" b="0" i="0" u="none" strike="noStrike" kern="1200" cap="none" spc="0" baseline="0" dirty="0" err="1">
-                <a:solidFill>
-                  <a:srgbClr val="000000"/>
-                </a:solidFill>
-                <a:uFillTx/>
-                <a:latin typeface="Arial" pitchFamily="18"/>
-                <a:ea typeface="Microsoft YaHei" pitchFamily="2"/>
-                <a:cs typeface="Mangal" pitchFamily="2"/>
-              </a:rPr>
-              <a:t>orientation</a:t>
-            </a:r>
-            <a:r>
-              <a:rPr lang="nl-NL" sz="1800" b="0" i="0" u="none" strike="noStrike" kern="1200" cap="none" spc="0" baseline="0" dirty="0">
-                <a:solidFill>
-                  <a:srgbClr val="000000"/>
-                </a:solidFill>
-                <a:uFillTx/>
-                <a:latin typeface="Arial" pitchFamily="18"/>
-                <a:ea typeface="Microsoft YaHei" pitchFamily="2"/>
-                <a:cs typeface="Mangal" pitchFamily="2"/>
-              </a:rPr>
-              <a:t>, </a:t>
-            </a:r>
-            <a:r>
-              <a:rPr lang="nl-NL" sz="1800" b="0" i="0" u="none" strike="noStrike" kern="1200" cap="none" spc="0" baseline="0" dirty="0" err="1">
-                <a:solidFill>
-                  <a:srgbClr val="000000"/>
-                </a:solidFill>
-                <a:uFillTx/>
-                <a:latin typeface="Arial" pitchFamily="18"/>
-                <a:ea typeface="Microsoft YaHei" pitchFamily="2"/>
-                <a:cs typeface="Mangal" pitchFamily="2"/>
-              </a:rPr>
-              <a:t>length</a:t>
-            </a:r>
-            <a:r>
-              <a:rPr lang="nl-NL" sz="1800" b="0" i="0" u="none" strike="noStrike" kern="1200" cap="none" spc="0" baseline="0" dirty="0">
-                <a:solidFill>
-                  <a:srgbClr val="000000"/>
-                </a:solidFill>
-                <a:uFillTx/>
-                <a:latin typeface="Arial" pitchFamily="18"/>
-                <a:ea typeface="Microsoft YaHei" pitchFamily="2"/>
-                <a:cs typeface="Mangal" pitchFamily="2"/>
-              </a:rPr>
-              <a:t>, y </a:t>
-            </a:r>
-            <a:r>
-              <a:rPr lang="nl-NL" sz="1800" b="0" i="0" u="none" strike="noStrike" kern="1200" cap="none" spc="0" baseline="0" dirty="0" err="1">
-                <a:solidFill>
-                  <a:srgbClr val="000000"/>
-                </a:solidFill>
-                <a:uFillTx/>
-                <a:latin typeface="Arial" pitchFamily="18"/>
-                <a:ea typeface="Microsoft YaHei" pitchFamily="2"/>
-                <a:cs typeface="Mangal" pitchFamily="2"/>
-              </a:rPr>
-              <a:t>and</a:t>
-            </a:r>
-            <a:r>
-              <a:rPr lang="nl-NL" sz="1800" b="0" i="0" u="none" strike="noStrike" kern="1200" cap="none" spc="0" baseline="0" dirty="0">
-                <a:solidFill>
-                  <a:srgbClr val="000000"/>
-                </a:solidFill>
-                <a:uFillTx/>
-                <a:latin typeface="Arial" pitchFamily="18"/>
-                <a:ea typeface="Microsoft YaHei" pitchFamily="2"/>
-                <a:cs typeface="Mangal" pitchFamily="2"/>
-              </a:rPr>
-              <a:t> x</a:t>
-            </a:r>
-          </a:p>
-          <a:p>
-            <a:pPr marL="0" marR="0" lvl="0" indent="0" algn="l" defTabSz="914400" rtl="0" fontAlgn="auto" hangingPunct="0">
-              <a:lnSpc>
-                <a:spcPct val="100000"/>
-              </a:lnSpc>
-              <a:spcBef>
-                <a:spcPts val="0"/>
-              </a:spcBef>
-              <a:spcAft>
-                <a:spcPts val="0"/>
-              </a:spcAft>
-              <a:buNone/>
-              <a:tabLst/>
-              <a:defRPr sz="1800" b="0" i="0" u="none" strike="noStrike" kern="0" cap="none" spc="0" baseline="0">
-                <a:solidFill>
-                  <a:srgbClr val="000000"/>
-                </a:solidFill>
-                <a:uFillTx/>
-              </a:defRPr>
-            </a:pPr>
-            <a:r>
-              <a:rPr lang="nl-NL" sz="1800" b="0" i="0" u="none" strike="noStrike" kern="1200" cap="none" spc="0" baseline="0" dirty="0" err="1">
-                <a:solidFill>
-                  <a:srgbClr val="000000"/>
-                </a:solidFill>
-                <a:uFillTx/>
-                <a:latin typeface="Arial" pitchFamily="18"/>
-                <a:ea typeface="Microsoft YaHei" pitchFamily="2"/>
-                <a:cs typeface="Mangal" pitchFamily="2"/>
-              </a:rPr>
-              <a:t>Rmatrix</a:t>
-            </a:r>
-            <a:r>
-              <a:rPr lang="nl-NL" sz="1800" b="0" i="0" u="none" strike="noStrike" kern="1200" cap="none" spc="0" baseline="0" dirty="0">
-                <a:solidFill>
-                  <a:srgbClr val="000000"/>
-                </a:solidFill>
-                <a:uFillTx/>
-                <a:latin typeface="Arial" pitchFamily="18"/>
-                <a:ea typeface="Microsoft YaHei" pitchFamily="2"/>
-                <a:cs typeface="Mangal" pitchFamily="2"/>
-              </a:rPr>
-              <a:t> = [[]]    	# List of list </a:t>
-            </a:r>
-            <a:r>
-              <a:rPr lang="nl-NL" sz="1800" b="0" i="0" u="none" strike="noStrike" kern="1200" cap="none" spc="0" baseline="0" dirty="0" err="1">
-                <a:solidFill>
-                  <a:srgbClr val="000000"/>
-                </a:solidFill>
-                <a:uFillTx/>
-                <a:latin typeface="Arial" pitchFamily="18"/>
-                <a:ea typeface="Microsoft YaHei" pitchFamily="2"/>
-                <a:cs typeface="Mangal" pitchFamily="2"/>
-              </a:rPr>
-              <a:t>representing</a:t>
-            </a:r>
-            <a:r>
-              <a:rPr lang="nl-NL" sz="1800" b="0" i="0" u="none" strike="noStrike" kern="1200" cap="none" spc="0" baseline="0" dirty="0">
-                <a:solidFill>
-                  <a:srgbClr val="000000"/>
-                </a:solidFill>
-                <a:uFillTx/>
-                <a:latin typeface="Arial" pitchFamily="18"/>
-                <a:ea typeface="Microsoft YaHei" pitchFamily="2"/>
-                <a:cs typeface="Mangal" pitchFamily="2"/>
-              </a:rPr>
-              <a:t> a matrix</a:t>
-            </a:r>
-          </a:p>
-        </p:txBody>
-      </p:sp>
-    </p:spTree>
-  </p:cSld>
-  <p:clrMapOvr>
-    <a:masterClrMapping/>
-  </p:clrMapOvr>
-  <mc:AlternateContent xmlns:mc="http://schemas.openxmlformats.org/markup-compatibility/2006" xmlns:p14="http://schemas.microsoft.com/office/powerpoint/2010/main">
-    <mc:Choice Requires="p14">
-      <p:transition spd="slow" p14:dur="2000"/>
-    </mc:Choice>
-    <mc:Fallback xmlns="">
-      <p:transition spd="slow"/>
-    </mc:Fallback>
-  </mc:AlternateContent>
-  <p:timing>
-    <p:tnLst>
-      <p:par>
-        <p:cTn id="1" dur="indefinite" restart="never" nodeType="tmRoot"/>
-      </p:par>
-    </p:tnLst>
-  </p:timing>
-</p:sld>
-</file>
-
-<file path=ppt/slides/slide17.xml><?xml version="1.0" encoding="utf-8"?>
-<p:sld xmlns:a="http://schemas.openxmlformats.org/drawingml/2006/main" xmlns:r="http://schemas.openxmlformats.org/officeDocument/2006/relationships" xmlns:p="http://schemas.openxmlformats.org/presentationml/2006/main" show="0">
-  <p:cSld name="page5">
-    <p:spTree>
-      <p:nvGrpSpPr>
-        <p:cNvPr id="1" name=""/>
-        <p:cNvGrpSpPr/>
-        <p:nvPr/>
-      </p:nvGrpSpPr>
-      <p:grpSpPr>
-        <a:xfrm>
-          <a:off x="0" y="0"/>
-          <a:ext cx="0" cy="0"/>
-          <a:chOff x="0" y="0"/>
-          <a:chExt cx="0" cy="0"/>
-        </a:xfrm>
-      </p:grpSpPr>
-      <p:sp>
-        <p:nvSpPr>
-          <p:cNvPr id="2" name="Title 1"/>
-          <p:cNvSpPr txBox="1">
-            <a:spLocks noGrp="1"/>
-          </p:cNvSpPr>
-          <p:nvPr>
-            <p:ph type="title" idx="4294967295"/>
-          </p:nvPr>
-        </p:nvSpPr>
-        <p:spPr>
-          <a:xfrm>
-            <a:off x="0" y="301623"/>
-            <a:ext cx="9072567" cy="1262064"/>
-          </a:xfrm>
-        </p:spPr>
-        <p:txBody>
-          <a:bodyPr/>
-          <a:lstStyle/>
-          <a:p>
-            <a:pPr lvl="0" algn="r"/>
-            <a:r>
-              <a:rPr lang="nl-NL"/>
-              <a:t>Steps so far</a:t>
-            </a:r>
-          </a:p>
-        </p:txBody>
-      </p:sp>
-      <p:sp>
-        <p:nvSpPr>
-          <p:cNvPr id="3" name="Text Placeholder 2"/>
-          <p:cNvSpPr txBox="1">
-            <a:spLocks noGrp="1"/>
-          </p:cNvSpPr>
-          <p:nvPr>
-            <p:ph type="body" idx="4294967295"/>
-          </p:nvPr>
-        </p:nvSpPr>
-        <p:spPr>
-          <a:xfrm>
-            <a:off x="359788" y="1187549"/>
-            <a:ext cx="8712768" cy="4989515"/>
-          </a:xfrm>
-        </p:spPr>
-        <p:txBody>
-          <a:bodyPr/>
-          <a:lstStyle/>
-          <a:p>
-            <a:pPr marL="431999" lvl="0" indent="-323999">
-              <a:spcBef>
-                <a:spcPts val="0"/>
-              </a:spcBef>
-              <a:spcAft>
-                <a:spcPts val="1415"/>
-              </a:spcAft>
-              <a:buSzPct val="45000"/>
-              <a:buFont typeface="StarSymbol"/>
-              <a:buChar char="●"/>
-            </a:pPr>
-            <a:r>
-              <a:rPr lang="nl-NL" sz="3200" kern="1200">
-                <a:latin typeface="Arial" pitchFamily="18"/>
-                <a:ea typeface="Microsoft YaHei" pitchFamily="2"/>
-              </a:rPr>
-              <a:t>Initialization board</a:t>
-            </a:r>
-          </a:p>
-          <a:p>
-            <a:pPr marL="431999" lvl="0" indent="-323999">
-              <a:spcBef>
-                <a:spcPts val="0"/>
-              </a:spcBef>
-              <a:spcAft>
-                <a:spcPts val="1415"/>
-              </a:spcAft>
-              <a:buSzPct val="45000"/>
-              <a:buFont typeface="StarSymbol"/>
-              <a:buChar char="●"/>
-            </a:pPr>
-            <a:r>
-              <a:rPr lang="nl-NL" sz="3200" kern="1200">
-                <a:latin typeface="Arial" pitchFamily="18"/>
-                <a:ea typeface="Microsoft YaHei" pitchFamily="2"/>
-              </a:rPr>
-              <a:t>Updating board</a:t>
-            </a:r>
-          </a:p>
-          <a:p>
-            <a:pPr marL="431999" lvl="0" indent="-323999">
-              <a:spcBef>
-                <a:spcPts val="0"/>
-              </a:spcBef>
-              <a:spcAft>
-                <a:spcPts val="1415"/>
-              </a:spcAft>
-              <a:buSzPct val="45000"/>
-              <a:buFont typeface="StarSymbol"/>
-              <a:buChar char="●"/>
-            </a:pPr>
-            <a:r>
-              <a:rPr lang="nl-NL" sz="3200" kern="1200">
-                <a:latin typeface="Arial" pitchFamily="18"/>
-                <a:ea typeface="Microsoft YaHei" pitchFamily="2"/>
-              </a:rPr>
-              <a:t>Checking for valid moves</a:t>
-            </a:r>
-          </a:p>
-          <a:p>
-            <a:pPr marL="863998" lvl="1" indent="-323999" hangingPunct="0">
-              <a:spcAft>
-                <a:spcPts val="1135"/>
-              </a:spcAft>
-              <a:buSzPct val="75000"/>
-              <a:buFont typeface="StarSymbol"/>
-              <a:buChar char="–"/>
-            </a:pPr>
-            <a:r>
-              <a:rPr lang="nl-NL" sz="2400" kern="1200">
-                <a:latin typeface="Arial" pitchFamily="18"/>
-                <a:ea typeface="Microsoft YaHei" pitchFamily="2"/>
-              </a:rPr>
-              <a:t>Position is on the board</a:t>
-            </a:r>
-          </a:p>
-          <a:p>
-            <a:pPr marL="863998" lvl="1" indent="-323999" hangingPunct="0">
-              <a:spcAft>
-                <a:spcPts val="1135"/>
-              </a:spcAft>
-              <a:buSzPct val="75000"/>
-              <a:buFont typeface="StarSymbol"/>
-              <a:buChar char="–"/>
-            </a:pPr>
-            <a:r>
-              <a:rPr lang="nl-NL" sz="2400" kern="1200">
-                <a:latin typeface="Arial" pitchFamily="18"/>
-                <a:ea typeface="Microsoft YaHei" pitchFamily="2"/>
-              </a:rPr>
-              <a:t>Position is free</a:t>
-            </a:r>
-          </a:p>
-          <a:p>
-            <a:pPr marL="431999" lvl="0" indent="-323999">
-              <a:spcBef>
-                <a:spcPts val="0"/>
-              </a:spcBef>
-              <a:spcAft>
-                <a:spcPts val="1415"/>
-              </a:spcAft>
-              <a:buSzPct val="45000"/>
-              <a:buFont typeface="StarSymbol"/>
-              <a:buChar char="●"/>
-            </a:pPr>
-            <a:r>
-              <a:rPr lang="nl-NL" sz="3200" kern="1200">
-                <a:latin typeface="Arial" pitchFamily="18"/>
-                <a:ea typeface="Microsoft YaHei" pitchFamily="2"/>
-              </a:rPr>
-              <a:t>Creating possible moves</a:t>
-            </a:r>
-          </a:p>
-          <a:p>
-            <a:pPr marL="431999" lvl="0" indent="-323999">
-              <a:spcBef>
-                <a:spcPts val="0"/>
-              </a:spcBef>
-              <a:spcAft>
-                <a:spcPts val="1415"/>
-              </a:spcAft>
-              <a:buSzPct val="45000"/>
-              <a:buFont typeface="StarSymbol"/>
-              <a:buChar char="●"/>
-            </a:pPr>
-            <a:r>
-              <a:rPr lang="nl-NL" sz="3200" kern="1200">
-                <a:latin typeface="Arial" pitchFamily="18"/>
-                <a:ea typeface="Microsoft YaHei" pitchFamily="2"/>
-              </a:rPr>
-              <a:t>Choosing one of the possible moves</a:t>
-            </a:r>
-          </a:p>
-          <a:p>
-            <a:pPr marL="431999" lvl="0" indent="-323999">
-              <a:spcBef>
-                <a:spcPts val="0"/>
-              </a:spcBef>
-              <a:spcAft>
-                <a:spcPts val="1415"/>
-              </a:spcAft>
-              <a:buSzPct val="45000"/>
-              <a:buFont typeface="StarSymbol"/>
-              <a:buChar char="●"/>
-            </a:pPr>
-            <a:r>
-              <a:rPr lang="nl-NL" sz="3200" kern="1200">
-                <a:latin typeface="Arial" pitchFamily="18"/>
-                <a:ea typeface="Microsoft YaHei" pitchFamily="2"/>
-              </a:rPr>
-              <a:t>Perform a single move</a:t>
-            </a:r>
-          </a:p>
-        </p:txBody>
-      </p:sp>
-    </p:spTree>
-  </p:cSld>
-  <p:clrMapOvr>
-    <a:masterClrMapping/>
-  </p:clrMapOvr>
-  <mc:AlternateContent xmlns:mc="http://schemas.openxmlformats.org/markup-compatibility/2006" xmlns:p14="http://schemas.microsoft.com/office/powerpoint/2010/main">
-    <mc:Choice Requires="p14">
-      <p:transition spd="slow" p14:dur="2000"/>
-    </mc:Choice>
-    <mc:Fallback xmlns="">
-      <p:transition spd="slow"/>
-    </mc:Fallback>
-  </mc:AlternateContent>
-  <p:timing>
-    <p:tnLst>
-      <p:par>
-        <p:cTn id="1" dur="indefinite" restart="never" nodeType="tmRoot"/>
-      </p:par>
-    </p:tnLst>
-  </p:timing>
-</p:sld>
-</file>
-
-<file path=ppt/slides/slide18.xml><?xml version="1.0" encoding="utf-8"?>
-<p:sld xmlns:a="http://schemas.openxmlformats.org/drawingml/2006/main" xmlns:r="http://schemas.openxmlformats.org/officeDocument/2006/relationships" xmlns:p="http://schemas.openxmlformats.org/presentationml/2006/main" show="0">
-  <p:cSld name="page6">
-    <p:spTree>
-      <p:nvGrpSpPr>
-        <p:cNvPr id="1" name=""/>
-        <p:cNvGrpSpPr/>
-        <p:nvPr/>
-      </p:nvGrpSpPr>
-      <p:grpSpPr>
-        <a:xfrm>
-          <a:off x="0" y="0"/>
-          <a:ext cx="0" cy="0"/>
-          <a:chOff x="0" y="0"/>
-          <a:chExt cx="0" cy="0"/>
-        </a:xfrm>
-      </p:grpSpPr>
-      <p:sp>
-        <p:nvSpPr>
-          <p:cNvPr id="2" name="Title 1"/>
-          <p:cNvSpPr txBox="1">
-            <a:spLocks noGrp="1"/>
-          </p:cNvSpPr>
-          <p:nvPr>
-            <p:ph type="title" idx="4294967295"/>
-          </p:nvPr>
-        </p:nvSpPr>
-        <p:spPr>
-          <a:xfrm>
-            <a:off x="0" y="301623"/>
-            <a:ext cx="9072567" cy="1262064"/>
-          </a:xfrm>
-        </p:spPr>
-        <p:txBody>
-          <a:bodyPr/>
-          <a:lstStyle/>
-          <a:p>
-            <a:pPr lvl="0" algn="r"/>
-            <a:r>
-              <a:rPr lang="nl-NL"/>
-              <a:t>Work in progress</a:t>
-            </a:r>
-          </a:p>
-        </p:txBody>
-      </p:sp>
-      <p:sp>
-        <p:nvSpPr>
-          <p:cNvPr id="3" name="Text Placeholder 2"/>
-          <p:cNvSpPr txBox="1">
-            <a:spLocks noGrp="1"/>
-          </p:cNvSpPr>
-          <p:nvPr>
-            <p:ph type="body" idx="4294967295"/>
-          </p:nvPr>
-        </p:nvSpPr>
-        <p:spPr>
-          <a:xfrm>
-            <a:off x="0" y="1768477"/>
-            <a:ext cx="9072567" cy="4989515"/>
-          </a:xfrm>
-        </p:spPr>
-        <p:txBody>
-          <a:bodyPr/>
-          <a:lstStyle/>
-          <a:p>
-            <a:pPr marL="431999" lvl="0" indent="-323999">
-              <a:spcBef>
-                <a:spcPts val="0"/>
-              </a:spcBef>
-              <a:spcAft>
-                <a:spcPts val="1415"/>
-              </a:spcAft>
-              <a:buSzPct val="45000"/>
-              <a:buFont typeface="StarSymbol"/>
-              <a:buChar char="●"/>
-            </a:pPr>
-            <a:r>
-              <a:rPr lang="nl-NL" sz="3200" kern="1200">
-                <a:latin typeface="Arial" pitchFamily="18"/>
-                <a:ea typeface="Microsoft YaHei" pitchFamily="2"/>
-              </a:rPr>
-              <a:t>Visualization fully working</a:t>
-            </a:r>
-          </a:p>
-          <a:p>
-            <a:pPr marL="431999" lvl="0" indent="-323999">
-              <a:spcBef>
-                <a:spcPts val="0"/>
-              </a:spcBef>
-              <a:spcAft>
-                <a:spcPts val="1415"/>
-              </a:spcAft>
-              <a:buSzPct val="45000"/>
-              <a:buFont typeface="StarSymbol"/>
-              <a:buChar char="●"/>
-            </a:pPr>
-            <a:endParaRPr lang="nl-NL" sz="3200" kern="1200">
-              <a:latin typeface="Arial" pitchFamily="18"/>
-              <a:ea typeface="Microsoft YaHei" pitchFamily="2"/>
-            </a:endParaRPr>
-          </a:p>
-          <a:p>
-            <a:pPr marL="431999" lvl="0" indent="-323999">
-              <a:spcBef>
-                <a:spcPts val="0"/>
-              </a:spcBef>
-              <a:spcAft>
-                <a:spcPts val="1415"/>
-              </a:spcAft>
-              <a:buSzPct val="45000"/>
-              <a:buFont typeface="StarSymbol"/>
-              <a:buChar char="●"/>
-            </a:pPr>
-            <a:endParaRPr lang="nl-NL" sz="3200" kern="1200">
-              <a:latin typeface="Arial" pitchFamily="18"/>
-              <a:ea typeface="Microsoft YaHei" pitchFamily="2"/>
-            </a:endParaRPr>
-          </a:p>
-          <a:p>
-            <a:pPr marL="431999" lvl="0" indent="-323999">
-              <a:spcBef>
-                <a:spcPts val="0"/>
-              </a:spcBef>
-              <a:spcAft>
-                <a:spcPts val="1415"/>
-              </a:spcAft>
-              <a:buSzPct val="45000"/>
-              <a:buFont typeface="StarSymbol"/>
-              <a:buChar char="●"/>
-            </a:pPr>
-            <a:endParaRPr lang="nl-NL" sz="3200" kern="1200">
-              <a:latin typeface="Arial" pitchFamily="18"/>
-              <a:ea typeface="Microsoft YaHei" pitchFamily="2"/>
-            </a:endParaRPr>
-          </a:p>
-          <a:p>
-            <a:pPr marL="431999" lvl="0" indent="-323999">
-              <a:spcBef>
-                <a:spcPts val="0"/>
-              </a:spcBef>
-              <a:spcAft>
-                <a:spcPts val="1415"/>
-              </a:spcAft>
-              <a:buSzPct val="45000"/>
-              <a:buFont typeface="StarSymbol"/>
-              <a:buChar char="●"/>
-            </a:pPr>
-            <a:r>
-              <a:rPr lang="nl-NL" sz="3200" kern="1200">
-                <a:latin typeface="Arial" pitchFamily="18"/>
-                <a:ea typeface="Microsoft YaHei" pitchFamily="2"/>
-              </a:rPr>
-              <a:t>Random movement of cars</a:t>
-            </a:r>
-          </a:p>
-          <a:p>
-            <a:pPr marL="863998" lvl="1" indent="-323999" hangingPunct="0">
-              <a:spcAft>
-                <a:spcPts val="1135"/>
-              </a:spcAft>
-              <a:buSzPct val="75000"/>
-              <a:buFont typeface="StarSymbol"/>
-              <a:buChar char="–"/>
-            </a:pPr>
-            <a:r>
-              <a:rPr lang="nl-NL" sz="2800" kern="1200">
-                <a:latin typeface="Arial" pitchFamily="18"/>
-                <a:ea typeface="Microsoft YaHei" pitchFamily="2"/>
-              </a:rPr>
-              <a:t>Automate a series of moves</a:t>
-            </a:r>
-          </a:p>
-        </p:txBody>
-      </p:sp>
-      <p:pic>
-        <p:nvPicPr>
-          <p:cNvPr id="4" name="Picture 3"/>
-          <p:cNvPicPr>
-            <a:picLocks noChangeAspect="1"/>
-          </p:cNvPicPr>
-          <p:nvPr/>
-        </p:nvPicPr>
-        <p:blipFill>
-          <a:blip r:embed="rId3">
-            <a:lum/>
-            <a:alphaModFix/>
-          </a:blip>
-          <a:srcRect/>
-          <a:stretch>
-            <a:fillRect/>
-          </a:stretch>
-        </p:blipFill>
-        <p:spPr>
-          <a:xfrm>
-            <a:off x="6695995" y="1727996"/>
-            <a:ext cx="2592003" cy="2304004"/>
-          </a:xfrm>
-          <a:prstGeom prst="rect">
-            <a:avLst/>
-          </a:prstGeom>
-          <a:noFill/>
-          <a:ln>
-            <a:noFill/>
-          </a:ln>
-        </p:spPr>
-      </p:pic>
-    </p:spTree>
-  </p:cSld>
-  <p:clrMapOvr>
-    <a:masterClrMapping/>
-  </p:clrMapOvr>
-  <mc:AlternateContent xmlns:mc="http://schemas.openxmlformats.org/markup-compatibility/2006" xmlns:p14="http://schemas.microsoft.com/office/powerpoint/2010/main">
-    <mc:Choice Requires="p14">
-      <p:transition spd="slow" p14:dur="2000"/>
-    </mc:Choice>
-    <mc:Fallback xmlns="">
-      <p:transition spd="slow"/>
-    </mc:Fallback>
-  </mc:AlternateContent>
-  <p:timing>
-    <p:tnLst>
-      <p:par>
-        <p:cTn id="1" dur="indefinite" restart="never" nodeType="tmRoot"/>
-      </p:par>
-    </p:tnLst>
-  </p:timing>
-</p:sld>
-</file>
-
-<file path=ppt/slides/slide19.xml><?xml version="1.0" encoding="utf-8"?>
-<p:sld xmlns:a="http://schemas.openxmlformats.org/drawingml/2006/main" xmlns:r="http://schemas.openxmlformats.org/officeDocument/2006/relationships" xmlns:p="http://schemas.openxmlformats.org/presentationml/2006/main" show="0">
-  <p:cSld name="page7">
-    <p:spTree>
-      <p:nvGrpSpPr>
-        <p:cNvPr id="1" name=""/>
-        <p:cNvGrpSpPr/>
-        <p:nvPr/>
-      </p:nvGrpSpPr>
-      <p:grpSpPr>
-        <a:xfrm>
-          <a:off x="0" y="0"/>
-          <a:ext cx="0" cy="0"/>
-          <a:chOff x="0" y="0"/>
-          <a:chExt cx="0" cy="0"/>
-        </a:xfrm>
-      </p:grpSpPr>
-      <p:sp>
-        <p:nvSpPr>
-          <p:cNvPr id="2" name="Title 1"/>
-          <p:cNvSpPr txBox="1">
-            <a:spLocks noGrp="1"/>
-          </p:cNvSpPr>
-          <p:nvPr>
-            <p:ph type="title" idx="4294967295"/>
-          </p:nvPr>
-        </p:nvSpPr>
-        <p:spPr>
-          <a:xfrm>
-            <a:off x="0" y="301623"/>
-            <a:ext cx="9072567" cy="1262064"/>
-          </a:xfrm>
-        </p:spPr>
-        <p:txBody>
-          <a:bodyPr/>
-          <a:lstStyle/>
-          <a:p>
-            <a:pPr lvl="0" algn="r"/>
-            <a:r>
-              <a:rPr lang="nl-NL"/>
-              <a:t>Advanced algoritm</a:t>
-            </a:r>
-          </a:p>
-        </p:txBody>
-      </p:sp>
-      <p:sp>
-        <p:nvSpPr>
-          <p:cNvPr id="3" name="Text Placeholder 2"/>
-          <p:cNvSpPr txBox="1">
-            <a:spLocks noGrp="1"/>
-          </p:cNvSpPr>
-          <p:nvPr>
-            <p:ph type="body" idx="4294967295"/>
-          </p:nvPr>
-        </p:nvSpPr>
-        <p:spPr>
-          <a:xfrm>
-            <a:off x="0" y="1768477"/>
-            <a:ext cx="9072567" cy="4989515"/>
-          </a:xfrm>
-        </p:spPr>
-        <p:txBody>
-          <a:bodyPr/>
-          <a:lstStyle/>
-          <a:p>
-            <a:pPr marL="431999" lvl="0" indent="-323999">
-              <a:spcBef>
-                <a:spcPts val="0"/>
-              </a:spcBef>
-              <a:spcAft>
-                <a:spcPts val="1415"/>
-              </a:spcAft>
-              <a:buNone/>
-            </a:pPr>
-            <a:r>
-              <a:rPr lang="nl-NL" sz="3200" kern="1200">
-                <a:latin typeface="Arial" pitchFamily="18"/>
-                <a:ea typeface="Microsoft YaHei" pitchFamily="2"/>
-              </a:rPr>
-              <a:t> </a:t>
-            </a:r>
-          </a:p>
-        </p:txBody>
-      </p:sp>
-      <p:pic>
-        <p:nvPicPr>
-          <p:cNvPr id="4" name="Picture 3"/>
-          <p:cNvPicPr>
-            <a:picLocks noChangeAspect="1"/>
-          </p:cNvPicPr>
-          <p:nvPr/>
-        </p:nvPicPr>
-        <p:blipFill>
-          <a:blip r:embed="rId3">
-            <a:lum/>
-            <a:alphaModFix/>
-          </a:blip>
-          <a:srcRect/>
-          <a:stretch>
-            <a:fillRect/>
-          </a:stretch>
-        </p:blipFill>
-        <p:spPr>
-          <a:xfrm>
-            <a:off x="794128" y="2736003"/>
-            <a:ext cx="4931642" cy="2808003"/>
-          </a:xfrm>
-          <a:prstGeom prst="rect">
-            <a:avLst/>
-          </a:prstGeom>
-          <a:noFill/>
-          <a:ln>
-            <a:noFill/>
-          </a:ln>
-        </p:spPr>
-      </p:pic>
-      <p:pic>
-        <p:nvPicPr>
-          <p:cNvPr id="5" name="Picture 4"/>
-          <p:cNvPicPr>
-            <a:picLocks noChangeAspect="1"/>
-          </p:cNvPicPr>
-          <p:nvPr/>
-        </p:nvPicPr>
-        <p:blipFill>
-          <a:blip r:embed="rId4">
-            <a:lum/>
-            <a:alphaModFix/>
-          </a:blip>
-          <a:srcRect/>
-          <a:stretch>
-            <a:fillRect/>
-          </a:stretch>
-        </p:blipFill>
-        <p:spPr>
-          <a:xfrm>
-            <a:off x="5759997" y="2664003"/>
-            <a:ext cx="4032001" cy="3312002"/>
-          </a:xfrm>
-          <a:prstGeom prst="rect">
-            <a:avLst/>
-          </a:prstGeom>
-          <a:noFill/>
-          <a:ln>
-            <a:noFill/>
-          </a:ln>
-        </p:spPr>
-      </p:pic>
-      <p:sp>
-        <p:nvSpPr>
-          <p:cNvPr id="6" name="Rectangle 7"/>
-          <p:cNvSpPr/>
-          <p:nvPr/>
-        </p:nvSpPr>
-        <p:spPr>
-          <a:xfrm>
-            <a:off x="7272561" y="3923854"/>
-            <a:ext cx="1008107" cy="288036"/>
-          </a:xfrm>
-          <a:prstGeom prst="rect">
-            <a:avLst/>
-          </a:prstGeom>
-          <a:solidFill>
-            <a:srgbClr val="000000"/>
-          </a:solidFill>
-          <a:ln w="25402">
-            <a:solidFill>
-              <a:srgbClr val="000000"/>
-            </a:solidFill>
-            <a:prstDash val="solid"/>
-          </a:ln>
-        </p:spPr>
-        <p:txBody>
-          <a:bodyPr vert="horz" wrap="square" lIns="91440" tIns="45720" rIns="91440" bIns="45720" anchor="ctr" anchorCtr="1" compatLnSpc="1"/>
-          <a:lstStyle/>
-          <a:p>
-            <a:pPr marL="0" marR="0" lvl="0" indent="0" algn="ctr" defTabSz="914400" rtl="0" fontAlgn="auto" hangingPunct="1">
-              <a:lnSpc>
-                <a:spcPct val="100000"/>
-              </a:lnSpc>
-              <a:spcBef>
-                <a:spcPts val="0"/>
-              </a:spcBef>
-              <a:spcAft>
-                <a:spcPts val="0"/>
-              </a:spcAft>
-              <a:buNone/>
-              <a:tabLst/>
-              <a:defRPr sz="1800" b="0" i="0" u="none" strike="noStrike" kern="0" cap="none" spc="0" baseline="0">
-                <a:solidFill>
-                  <a:srgbClr val="000000"/>
-                </a:solidFill>
-                <a:uFillTx/>
-              </a:defRPr>
-            </a:pPr>
-            <a:r>
-              <a:rPr lang="nl-NL" sz="1800" b="1" i="0" u="none" strike="noStrike" kern="1200" cap="none" spc="0" baseline="0">
-                <a:solidFill>
-                  <a:srgbClr val="FFFFFF"/>
-                </a:solidFill>
-                <a:uFillTx/>
-                <a:latin typeface="Arial"/>
-              </a:rPr>
-              <a:t>Select</a:t>
-            </a:r>
-          </a:p>
-        </p:txBody>
-      </p:sp>
-      <p:sp>
-        <p:nvSpPr>
-          <p:cNvPr id="7" name="Rectangle 8"/>
-          <p:cNvSpPr/>
-          <p:nvPr/>
-        </p:nvSpPr>
-        <p:spPr>
-          <a:xfrm rot="5400013">
-            <a:off x="8051140" y="3433294"/>
-            <a:ext cx="1152125" cy="405070"/>
-          </a:xfrm>
-          <a:prstGeom prst="rect">
-            <a:avLst/>
-          </a:prstGeom>
-          <a:solidFill>
-            <a:srgbClr val="FF0000"/>
-          </a:solidFill>
-          <a:ln w="25402">
-            <a:solidFill>
-              <a:srgbClr val="FF0000"/>
-            </a:solidFill>
-            <a:prstDash val="solid"/>
-          </a:ln>
-        </p:spPr>
-        <p:txBody>
-          <a:bodyPr vert="horz" wrap="square" lIns="91440" tIns="45720" rIns="91440" bIns="45720" anchor="ctr" anchorCtr="1" compatLnSpc="1"/>
-          <a:lstStyle/>
-          <a:p>
-            <a:pPr marL="0" marR="0" lvl="0" indent="0" algn="ctr" defTabSz="914400" rtl="0" fontAlgn="auto" hangingPunct="1">
-              <a:lnSpc>
-                <a:spcPct val="100000"/>
-              </a:lnSpc>
-              <a:spcBef>
-                <a:spcPts val="0"/>
-              </a:spcBef>
-              <a:spcAft>
-                <a:spcPts val="0"/>
-              </a:spcAft>
-              <a:buNone/>
-              <a:tabLst/>
-              <a:defRPr sz="1800" b="0" i="0" u="none" strike="noStrike" kern="0" cap="none" spc="0" baseline="0">
-                <a:solidFill>
-                  <a:srgbClr val="000000"/>
-                </a:solidFill>
-                <a:uFillTx/>
-              </a:defRPr>
-            </a:pPr>
-            <a:r>
-              <a:rPr lang="nl-NL" sz="1800" b="1" i="0" u="none" strike="noStrike" kern="1200" cap="none" spc="0" baseline="0">
-                <a:solidFill>
-                  <a:srgbClr val="000000"/>
-                </a:solidFill>
-                <a:uFillTx/>
-                <a:latin typeface="Arial"/>
-              </a:rPr>
-              <a:t>Front</a:t>
-            </a:r>
-          </a:p>
-        </p:txBody>
-      </p:sp>
-      <p:sp>
-        <p:nvSpPr>
-          <p:cNvPr id="8" name="Rectangle 9"/>
-          <p:cNvSpPr/>
-          <p:nvPr/>
-        </p:nvSpPr>
-        <p:spPr>
-          <a:xfrm rot="5400013">
-            <a:off x="8051140" y="3433294"/>
-            <a:ext cx="1152125" cy="405070"/>
-          </a:xfrm>
-          <a:prstGeom prst="rect">
-            <a:avLst/>
-          </a:prstGeom>
-          <a:solidFill>
-            <a:srgbClr val="000000"/>
-          </a:solidFill>
-          <a:ln w="25402">
-            <a:solidFill>
-              <a:srgbClr val="000000"/>
-            </a:solidFill>
-            <a:prstDash val="solid"/>
-          </a:ln>
-        </p:spPr>
-        <p:txBody>
-          <a:bodyPr vert="horz" wrap="square" lIns="91440" tIns="45720" rIns="91440" bIns="45720" anchor="ctr" anchorCtr="1" compatLnSpc="1"/>
-          <a:lstStyle/>
-          <a:p>
-            <a:pPr marL="0" marR="0" lvl="0" indent="0" algn="ctr" defTabSz="914400" rtl="0" fontAlgn="auto" hangingPunct="1">
-              <a:lnSpc>
-                <a:spcPct val="100000"/>
-              </a:lnSpc>
-              <a:spcBef>
-                <a:spcPts val="0"/>
-              </a:spcBef>
-              <a:spcAft>
-                <a:spcPts val="0"/>
-              </a:spcAft>
-              <a:buNone/>
-              <a:tabLst/>
-              <a:defRPr sz="1800" b="0" i="0" u="none" strike="noStrike" kern="0" cap="none" spc="0" baseline="0">
-                <a:solidFill>
-                  <a:srgbClr val="000000"/>
-                </a:solidFill>
-                <a:uFillTx/>
-              </a:defRPr>
-            </a:pPr>
-            <a:r>
-              <a:rPr lang="nl-NL" sz="1800" b="1" i="0" u="none" strike="noStrike" kern="1200" cap="none" spc="0" baseline="0">
-                <a:solidFill>
-                  <a:srgbClr val="FFFFFF"/>
-                </a:solidFill>
-                <a:uFillTx/>
-                <a:latin typeface="Arial"/>
-              </a:rPr>
-              <a:t>Select</a:t>
-            </a:r>
-          </a:p>
-        </p:txBody>
-      </p:sp>
-      <p:sp>
-        <p:nvSpPr>
-          <p:cNvPr id="9" name="Rectangle 10"/>
-          <p:cNvSpPr/>
-          <p:nvPr/>
-        </p:nvSpPr>
-        <p:spPr>
-          <a:xfrm>
-            <a:off x="8352678" y="4320000"/>
-            <a:ext cx="576062" cy="323935"/>
-          </a:xfrm>
-          <a:prstGeom prst="rect">
-            <a:avLst/>
-          </a:prstGeom>
-          <a:solidFill>
-            <a:srgbClr val="00B050"/>
-          </a:solidFill>
-          <a:ln w="25402">
-            <a:solidFill>
-              <a:srgbClr val="89A4A7"/>
-            </a:solidFill>
-            <a:prstDash val="solid"/>
-          </a:ln>
-        </p:spPr>
-        <p:txBody>
-          <a:bodyPr vert="horz" wrap="square" lIns="91440" tIns="45720" rIns="91440" bIns="45720" anchor="ctr" anchorCtr="1" compatLnSpc="1"/>
-          <a:lstStyle/>
-          <a:p>
-            <a:pPr marL="0" marR="0" lvl="0" indent="0" algn="ctr" defTabSz="914400" rtl="0" fontAlgn="auto" hangingPunct="1">
-              <a:lnSpc>
-                <a:spcPct val="100000"/>
-              </a:lnSpc>
-              <a:spcBef>
-                <a:spcPts val="0"/>
-              </a:spcBef>
-              <a:spcAft>
-                <a:spcPts val="0"/>
-              </a:spcAft>
-              <a:buNone/>
-              <a:tabLst/>
-              <a:defRPr sz="1800" b="0" i="0" u="none" strike="noStrike" kern="0" cap="none" spc="0" baseline="0">
-                <a:solidFill>
-                  <a:srgbClr val="000000"/>
-                </a:solidFill>
-                <a:uFillTx/>
-              </a:defRPr>
-            </a:pPr>
-            <a:r>
-              <a:rPr lang="nl-NL" sz="1400" b="1" i="0" u="none" strike="noStrike" kern="1200" cap="none" spc="0" baseline="0">
-                <a:solidFill>
-                  <a:srgbClr val="000000"/>
-                </a:solidFill>
-                <a:uFillTx/>
-                <a:latin typeface="Arial"/>
-              </a:rPr>
-              <a:t>Free</a:t>
-            </a:r>
-          </a:p>
-        </p:txBody>
-      </p:sp>
-      <p:sp>
-        <p:nvSpPr>
-          <p:cNvPr id="10" name="Rectangle 11"/>
-          <p:cNvSpPr/>
-          <p:nvPr/>
-        </p:nvSpPr>
-        <p:spPr>
-          <a:xfrm>
-            <a:off x="7271939" y="3928591"/>
-            <a:ext cx="1008107" cy="288036"/>
-          </a:xfrm>
-          <a:prstGeom prst="rect">
-            <a:avLst/>
-          </a:prstGeom>
-          <a:solidFill>
-            <a:srgbClr val="000000"/>
-          </a:solidFill>
-          <a:ln w="25402">
-            <a:solidFill>
-              <a:srgbClr val="000000"/>
-            </a:solidFill>
-            <a:prstDash val="solid"/>
-          </a:ln>
-        </p:spPr>
-        <p:txBody>
-          <a:bodyPr vert="horz" wrap="square" lIns="91440" tIns="45720" rIns="91440" bIns="45720" anchor="ctr" anchorCtr="1" compatLnSpc="1"/>
-          <a:lstStyle/>
-          <a:p>
-            <a:pPr marL="0" marR="0" lvl="0" indent="0" algn="ctr" defTabSz="914400" rtl="0" fontAlgn="auto" hangingPunct="1">
-              <a:lnSpc>
-                <a:spcPct val="100000"/>
-              </a:lnSpc>
-              <a:spcBef>
-                <a:spcPts val="0"/>
-              </a:spcBef>
-              <a:spcAft>
-                <a:spcPts val="0"/>
-              </a:spcAft>
-              <a:buNone/>
-              <a:tabLst/>
-              <a:defRPr sz="1800" b="0" i="0" u="none" strike="noStrike" kern="0" cap="none" spc="0" baseline="0">
-                <a:solidFill>
-                  <a:srgbClr val="000000"/>
-                </a:solidFill>
-                <a:uFillTx/>
-              </a:defRPr>
-            </a:pPr>
-            <a:r>
-              <a:rPr lang="nl-NL" sz="1200" b="0" i="1" u="none" strike="noStrike" kern="1200" cap="none" spc="0" baseline="0">
-                <a:solidFill>
-                  <a:srgbClr val="FFFFFF"/>
-                </a:solidFill>
-                <a:uFillTx/>
-                <a:latin typeface="Arial"/>
-              </a:rPr>
-              <a:t>Remember</a:t>
-            </a:r>
-          </a:p>
-        </p:txBody>
-      </p:sp>
-      <p:sp>
-        <p:nvSpPr>
-          <p:cNvPr id="11" name="Rectangle 7"/>
-          <p:cNvSpPr/>
-          <p:nvPr/>
-        </p:nvSpPr>
-        <p:spPr>
-          <a:xfrm>
-            <a:off x="7248357" y="3923854"/>
-            <a:ext cx="1008107" cy="288036"/>
-          </a:xfrm>
-          <a:prstGeom prst="rect">
-            <a:avLst/>
-          </a:prstGeom>
-          <a:solidFill>
-            <a:srgbClr val="000000"/>
-          </a:solidFill>
-          <a:ln w="25402">
-            <a:solidFill>
-              <a:srgbClr val="000000"/>
-            </a:solidFill>
-            <a:prstDash val="solid"/>
-          </a:ln>
-        </p:spPr>
-        <p:txBody>
-          <a:bodyPr vert="horz" wrap="square" lIns="91440" tIns="45720" rIns="91440" bIns="45720" anchor="ctr" anchorCtr="1" compatLnSpc="1"/>
-          <a:lstStyle/>
-          <a:p>
-            <a:pPr marL="0" marR="0" lvl="0" indent="0" algn="ctr" defTabSz="914400" rtl="0" fontAlgn="auto" hangingPunct="1">
-              <a:lnSpc>
-                <a:spcPct val="100000"/>
-              </a:lnSpc>
-              <a:spcBef>
-                <a:spcPts val="0"/>
-              </a:spcBef>
-              <a:spcAft>
-                <a:spcPts val="0"/>
-              </a:spcAft>
-              <a:buNone/>
-              <a:tabLst/>
-              <a:defRPr sz="1800" b="0" i="0" u="none" strike="noStrike" kern="0" cap="none" spc="0" baseline="0">
-                <a:solidFill>
-                  <a:srgbClr val="000000"/>
-                </a:solidFill>
-                <a:uFillTx/>
-              </a:defRPr>
-            </a:pPr>
-            <a:r>
-              <a:rPr lang="nl-NL" sz="1800" b="1" i="0" u="none" strike="noStrike" kern="1200" cap="none" spc="0" baseline="0">
-                <a:solidFill>
-                  <a:srgbClr val="FFFFFF"/>
-                </a:solidFill>
-                <a:uFillTx/>
-                <a:latin typeface="Arial"/>
-              </a:rPr>
-              <a:t>Select</a:t>
-            </a:r>
-          </a:p>
-        </p:txBody>
-      </p:sp>
-      <p:sp>
-        <p:nvSpPr>
-          <p:cNvPr id="12" name="Rectangle 11"/>
-          <p:cNvSpPr/>
-          <p:nvPr/>
-        </p:nvSpPr>
-        <p:spPr>
-          <a:xfrm>
-            <a:off x="8411181" y="3491800"/>
-            <a:ext cx="432054" cy="1152125"/>
-          </a:xfrm>
-          <a:prstGeom prst="rect">
-            <a:avLst/>
-          </a:prstGeom>
-          <a:solidFill>
-            <a:srgbClr val="FFFF00"/>
-          </a:solidFill>
-          <a:ln w="25402">
-            <a:solidFill>
-              <a:srgbClr val="FFFF00"/>
-            </a:solidFill>
-            <a:prstDash val="solid"/>
-          </a:ln>
-        </p:spPr>
-        <p:txBody>
-          <a:bodyPr vert="horz" wrap="square" lIns="91440" tIns="45720" rIns="91440" bIns="45720" anchor="ctr" anchorCtr="1" compatLnSpc="1"/>
-          <a:lstStyle/>
-          <a:p>
-            <a:pPr marL="0" marR="0" lvl="0" indent="0" algn="ctr" defTabSz="914400" rtl="0" fontAlgn="auto" hangingPunct="1">
-              <a:lnSpc>
-                <a:spcPct val="100000"/>
-              </a:lnSpc>
-              <a:spcBef>
-                <a:spcPts val="0"/>
-              </a:spcBef>
-              <a:spcAft>
-                <a:spcPts val="0"/>
-              </a:spcAft>
-              <a:buNone/>
-              <a:tabLst/>
-              <a:defRPr sz="1800" b="0" i="0" u="none" strike="noStrike" kern="0" cap="none" spc="0" baseline="0">
-                <a:solidFill>
-                  <a:srgbClr val="000000"/>
-                </a:solidFill>
-                <a:uFillTx/>
-              </a:defRPr>
-            </a:pPr>
-            <a:endParaRPr lang="nl-NL" sz="1800" b="0" i="0" u="none" strike="noStrike" kern="1200" cap="none" spc="0" baseline="0">
-              <a:solidFill>
-                <a:srgbClr val="FFFFFF"/>
-              </a:solidFill>
-              <a:uFillTx/>
-              <a:latin typeface="Calibri"/>
-            </a:endParaRPr>
-          </a:p>
-        </p:txBody>
-      </p:sp>
-      <p:sp>
-        <p:nvSpPr>
-          <p:cNvPr id="13" name="Rectangle 12"/>
-          <p:cNvSpPr/>
-          <p:nvPr/>
-        </p:nvSpPr>
-        <p:spPr>
-          <a:xfrm>
-            <a:off x="8411181" y="3059765"/>
-            <a:ext cx="432054" cy="432035"/>
-          </a:xfrm>
-          <a:prstGeom prst="rect">
-            <a:avLst/>
-          </a:prstGeom>
-          <a:solidFill>
-            <a:srgbClr val="A6A6A6"/>
-          </a:solidFill>
-          <a:ln w="25402">
-            <a:solidFill>
-              <a:srgbClr val="A6A6A6"/>
-            </a:solidFill>
-            <a:prstDash val="solid"/>
-          </a:ln>
-        </p:spPr>
-        <p:txBody>
-          <a:bodyPr vert="horz" wrap="square" lIns="91440" tIns="45720" rIns="91440" bIns="45720" anchor="ctr" anchorCtr="1" compatLnSpc="1"/>
-          <a:lstStyle/>
-          <a:p>
-            <a:pPr marL="0" marR="0" lvl="0" indent="0" algn="ctr" defTabSz="914400" rtl="0" fontAlgn="auto" hangingPunct="1">
-              <a:lnSpc>
-                <a:spcPct val="100000"/>
-              </a:lnSpc>
-              <a:spcBef>
-                <a:spcPts val="0"/>
-              </a:spcBef>
-              <a:spcAft>
-                <a:spcPts val="0"/>
-              </a:spcAft>
-              <a:buNone/>
-              <a:tabLst/>
-              <a:defRPr sz="1800" b="0" i="0" u="none" strike="noStrike" kern="0" cap="none" spc="0" baseline="0">
-                <a:solidFill>
-                  <a:srgbClr val="000000"/>
-                </a:solidFill>
-                <a:uFillTx/>
-              </a:defRPr>
-            </a:pPr>
-            <a:endParaRPr lang="nl-NL" sz="1800" b="0" i="0" u="none" strike="noStrike" kern="1200" cap="none" spc="0" baseline="0">
-              <a:solidFill>
-                <a:srgbClr val="FFFFFF"/>
-              </a:solidFill>
-              <a:uFillTx/>
-              <a:latin typeface="Calibri"/>
-            </a:endParaRPr>
-          </a:p>
-        </p:txBody>
-      </p:sp>
-    </p:spTree>
-  </p:cSld>
-  <p:clrMapOvr>
-    <a:masterClrMapping/>
-  </p:clrMapOvr>
-  <mc:AlternateContent xmlns:mc="http://schemas.openxmlformats.org/markup-compatibility/2006" xmlns:p14="http://schemas.microsoft.com/office/powerpoint/2010/main">
-    <mc:Choice Requires="p14">
-      <p:transition spd="slow" p14:dur="2000"/>
-    </mc:Choice>
-    <mc:Fallback xmlns="">
-      <p:transition spd="slow"/>
-    </mc:Fallback>
-  </mc:AlternateContent>
-  <p:timing>
-    <p:tnLst>
-      <p:par>
-        <p:cTn id="1" dur="indefinite" restart="never" nodeType="tmRoot">
-          <p:childTnLst>
-            <p:seq concurrent="1" nextAc="seek">
-              <p:cTn id="2" dur="indefinite" nodeType="mainSeq">
-                <p:childTnLst>
-                  <p:par>
-                    <p:cTn id="3" fill="hold">
-                      <p:stCondLst>
-                        <p:cond delay="indefinite"/>
-                      </p:stCondLst>
-                      <p:childTnLst>
-                        <p:par>
-                          <p:cTn id="4" fill="hold">
-                            <p:stCondLst>
-                              <p:cond delay="0"/>
-                            </p:stCondLst>
-                            <p:childTnLst>
-                              <p:par>
-                                <p:cTn id="5" presetID="1" presetClass="entr" presetSubtype="0" fill="hold" grpId="0" nodeType="clickEffect">
-                                  <p:stCondLst>
-                                    <p:cond delay="0"/>
-                                  </p:stCondLst>
-                                  <p:childTnLst>
-                                    <p:set>
-                                      <p:cBhvr>
-                                        <p:cTn id="6" dur="1" fill="hold">
-                                          <p:stCondLst>
-                                            <p:cond delay="0"/>
-                                          </p:stCondLst>
-                                        </p:cTn>
-                                        <p:tgtEl>
-                                          <p:spTgt spid="6"/>
-                                        </p:tgtEl>
-                                        <p:attrNameLst>
-                                          <p:attrName>style.visibility</p:attrName>
-                                        </p:attrNameLst>
-                                      </p:cBhvr>
-                                      <p:to>
-                                        <p:strVal val="visible"/>
-                                      </p:to>
-                                    </p:set>
-                                  </p:childTnLst>
-                                </p:cTn>
-                              </p:par>
-                            </p:childTnLst>
-                          </p:cTn>
-                        </p:par>
-                      </p:childTnLst>
-                    </p:cTn>
-                  </p:par>
-                  <p:par>
-                    <p:cTn id="7" fill="hold">
-                      <p:stCondLst>
-                        <p:cond delay="indefinite"/>
-                      </p:stCondLst>
-                      <p:childTnLst>
-                        <p:par>
-                          <p:cTn id="8" fill="hold">
-                            <p:stCondLst>
-                              <p:cond delay="0"/>
-                            </p:stCondLst>
-                            <p:childTnLst>
-                              <p:par>
-                                <p:cTn id="9" presetID="1" presetClass="entr" presetSubtype="0" fill="hold" grpId="0" nodeType="clickEffect">
-                                  <p:stCondLst>
-                                    <p:cond delay="0"/>
-                                  </p:stCondLst>
-                                  <p:childTnLst>
-                                    <p:set>
-                                      <p:cBhvr>
-                                        <p:cTn id="10" dur="1" fill="hold">
-                                          <p:stCondLst>
-                                            <p:cond delay="0"/>
-                                          </p:stCondLst>
-                                        </p:cTn>
-                                        <p:tgtEl>
-                                          <p:spTgt spid="7"/>
-                                        </p:tgtEl>
-                                        <p:attrNameLst>
-                                          <p:attrName>style.visibility</p:attrName>
-                                        </p:attrNameLst>
-                                      </p:cBhvr>
-                                      <p:to>
-                                        <p:strVal val="visible"/>
-                                      </p:to>
-                                    </p:set>
-                                  </p:childTnLst>
-                                </p:cTn>
-                              </p:par>
-                            </p:childTnLst>
-                          </p:cTn>
-                        </p:par>
-                      </p:childTnLst>
-                    </p:cTn>
-                  </p:par>
-                  <p:par>
-                    <p:cTn id="11" fill="hold">
-                      <p:stCondLst>
-                        <p:cond delay="indefinite"/>
-                      </p:stCondLst>
-                      <p:childTnLst>
-                        <p:par>
-                          <p:cTn id="12" fill="hold">
-                            <p:stCondLst>
-                              <p:cond delay="0"/>
-                            </p:stCondLst>
-                            <p:childTnLst>
-                              <p:par>
-                                <p:cTn id="13" presetID="1" presetClass="entr" presetSubtype="0" fill="hold" grpId="0" nodeType="clickEffect">
-                                  <p:stCondLst>
-                                    <p:cond delay="0"/>
-                                  </p:stCondLst>
-                                  <p:childTnLst>
-                                    <p:set>
-                                      <p:cBhvr>
-                                        <p:cTn id="14" dur="1" fill="hold">
-                                          <p:stCondLst>
-                                            <p:cond delay="0"/>
-                                          </p:stCondLst>
-                                        </p:cTn>
-                                        <p:tgtEl>
-                                          <p:spTgt spid="8"/>
-                                        </p:tgtEl>
-                                        <p:attrNameLst>
-                                          <p:attrName>style.visibility</p:attrName>
-                                        </p:attrNameLst>
-                                      </p:cBhvr>
-                                      <p:to>
-                                        <p:strVal val="visible"/>
-                                      </p:to>
-                                    </p:set>
-                                  </p:childTnLst>
-                                </p:cTn>
-                              </p:par>
-                              <p:par>
-                                <p:cTn id="15" presetID="1" presetClass="exit" presetSubtype="0" fill="hold" grpId="1" nodeType="withEffect">
-                                  <p:stCondLst>
-                                    <p:cond delay="0"/>
-                                  </p:stCondLst>
-                                  <p:childTnLst>
-                                    <p:set>
-                                      <p:cBhvr>
-                                        <p:cTn id="16" dur="1" fill="hold">
-                                          <p:stCondLst>
-                                            <p:cond delay="0"/>
-                                          </p:stCondLst>
-                                        </p:cTn>
-                                        <p:tgtEl>
-                                          <p:spTgt spid="7"/>
-                                        </p:tgtEl>
-                                        <p:attrNameLst>
-                                          <p:attrName>style.visibility</p:attrName>
-                                        </p:attrNameLst>
-                                      </p:cBhvr>
-                                      <p:to>
-                                        <p:strVal val="hidden"/>
-                                      </p:to>
-                                    </p:set>
-                                  </p:childTnLst>
-                                </p:cTn>
-                              </p:par>
-                            </p:childTnLst>
-                          </p:cTn>
-                        </p:par>
-                      </p:childTnLst>
-                    </p:cTn>
-                  </p:par>
-                  <p:par>
-                    <p:cTn id="17" fill="hold">
-                      <p:stCondLst>
-                        <p:cond delay="indefinite"/>
-                      </p:stCondLst>
-                      <p:childTnLst>
-                        <p:par>
-                          <p:cTn id="18" fill="hold">
-                            <p:stCondLst>
-                              <p:cond delay="0"/>
-                            </p:stCondLst>
-                            <p:childTnLst>
-                              <p:par>
-                                <p:cTn id="19" presetID="1" presetClass="exit" presetSubtype="0" fill="hold" grpId="1" nodeType="clickEffect">
-                                  <p:stCondLst>
-                                    <p:cond delay="0"/>
-                                  </p:stCondLst>
-                                  <p:childTnLst>
-                                    <p:set>
-                                      <p:cBhvr>
-                                        <p:cTn id="20" dur="1" fill="hold">
-                                          <p:stCondLst>
-                                            <p:cond delay="0"/>
-                                          </p:stCondLst>
-                                        </p:cTn>
-                                        <p:tgtEl>
-                                          <p:spTgt spid="6"/>
-                                        </p:tgtEl>
-                                        <p:attrNameLst>
-                                          <p:attrName>style.visibility</p:attrName>
-                                        </p:attrNameLst>
-                                      </p:cBhvr>
-                                      <p:to>
-                                        <p:strVal val="hidden"/>
-                                      </p:to>
-                                    </p:set>
-                                  </p:childTnLst>
-                                </p:cTn>
-                              </p:par>
-                              <p:par>
-                                <p:cTn id="21" presetID="1" presetClass="entr" presetSubtype="0" fill="hold" grpId="0" nodeType="withEffect">
-                                  <p:stCondLst>
-                                    <p:cond delay="0"/>
-                                  </p:stCondLst>
-                                  <p:childTnLst>
-                                    <p:set>
-                                      <p:cBhvr>
-                                        <p:cTn id="22" dur="1" fill="hold">
-                                          <p:stCondLst>
-                                            <p:cond delay="0"/>
-                                          </p:stCondLst>
-                                        </p:cTn>
-                                        <p:tgtEl>
-                                          <p:spTgt spid="10"/>
-                                        </p:tgtEl>
-                                        <p:attrNameLst>
-                                          <p:attrName>style.visibility</p:attrName>
-                                        </p:attrNameLst>
-                                      </p:cBhvr>
-                                      <p:to>
-                                        <p:strVal val="visible"/>
-                                      </p:to>
-                                    </p:set>
-                                  </p:childTnLst>
-                                </p:cTn>
-                              </p:par>
-                            </p:childTnLst>
-                          </p:cTn>
-                        </p:par>
-                      </p:childTnLst>
-                    </p:cTn>
-                  </p:par>
-                  <p:par>
-                    <p:cTn id="23" fill="hold">
-                      <p:stCondLst>
-                        <p:cond delay="indefinite"/>
-                      </p:stCondLst>
-                      <p:childTnLst>
-                        <p:par>
-                          <p:cTn id="24" fill="hold">
-                            <p:stCondLst>
-                              <p:cond delay="0"/>
-                            </p:stCondLst>
-                            <p:childTnLst>
-                              <p:par>
-                                <p:cTn id="25" presetID="1" presetClass="entr" presetSubtype="0" fill="hold" grpId="0" nodeType="clickEffect">
-                                  <p:stCondLst>
-                                    <p:cond delay="0"/>
-                                  </p:stCondLst>
-                                  <p:childTnLst>
-                                    <p:set>
-                                      <p:cBhvr>
-                                        <p:cTn id="26" dur="1" fill="hold">
-                                          <p:stCondLst>
-                                            <p:cond delay="0"/>
-                                          </p:stCondLst>
-                                        </p:cTn>
-                                        <p:tgtEl>
-                                          <p:spTgt spid="9"/>
-                                        </p:tgtEl>
-                                        <p:attrNameLst>
-                                          <p:attrName>style.visibility</p:attrName>
-                                        </p:attrNameLst>
-                                      </p:cBhvr>
-                                      <p:to>
-                                        <p:strVal val="visible"/>
-                                      </p:to>
-                                    </p:set>
-                                  </p:childTnLst>
-                                </p:cTn>
-                              </p:par>
-                            </p:childTnLst>
-                          </p:cTn>
-                        </p:par>
-                      </p:childTnLst>
-                    </p:cTn>
-                  </p:par>
-                  <p:par>
-                    <p:cTn id="27" fill="hold">
-                      <p:stCondLst>
-                        <p:cond delay="indefinite"/>
-                      </p:stCondLst>
-                      <p:childTnLst>
-                        <p:par>
-                          <p:cTn id="28" fill="hold">
-                            <p:stCondLst>
-                              <p:cond delay="0"/>
-                            </p:stCondLst>
-                            <p:childTnLst>
-                              <p:par>
-                                <p:cTn id="29" presetID="1" presetClass="exit" presetSubtype="0" fill="hold" grpId="1" nodeType="clickEffect">
-                                  <p:stCondLst>
-                                    <p:cond delay="0"/>
-                                  </p:stCondLst>
-                                  <p:childTnLst>
-                                    <p:set>
-                                      <p:cBhvr>
-                                        <p:cTn id="30" dur="1" fill="hold">
-                                          <p:stCondLst>
-                                            <p:cond delay="0"/>
-                                          </p:stCondLst>
-                                        </p:cTn>
-                                        <p:tgtEl>
-                                          <p:spTgt spid="9"/>
-                                        </p:tgtEl>
-                                        <p:attrNameLst>
-                                          <p:attrName>style.visibility</p:attrName>
-                                        </p:attrNameLst>
-                                      </p:cBhvr>
-                                      <p:to>
-                                        <p:strVal val="hidden"/>
-                                      </p:to>
-                                    </p:set>
-                                  </p:childTnLst>
-                                </p:cTn>
-                              </p:par>
-                              <p:par>
-                                <p:cTn id="31" presetID="1" presetClass="exit" presetSubtype="0" fill="hold" grpId="1" nodeType="withEffect">
-                                  <p:stCondLst>
-                                    <p:cond delay="0"/>
-                                  </p:stCondLst>
-                                  <p:childTnLst>
-                                    <p:set>
-                                      <p:cBhvr>
-                                        <p:cTn id="32" dur="1" fill="hold">
-                                          <p:stCondLst>
-                                            <p:cond delay="0"/>
-                                          </p:stCondLst>
-                                        </p:cTn>
-                                        <p:tgtEl>
-                                          <p:spTgt spid="8"/>
-                                        </p:tgtEl>
-                                        <p:attrNameLst>
-                                          <p:attrName>style.visibility</p:attrName>
-                                        </p:attrNameLst>
-                                      </p:cBhvr>
-                                      <p:to>
-                                        <p:strVal val="hidden"/>
-                                      </p:to>
-                                    </p:set>
-                                  </p:childTnLst>
-                                </p:cTn>
-                              </p:par>
-                              <p:par>
-                                <p:cTn id="33" presetID="1" presetClass="exit" presetSubtype="0" fill="hold" grpId="1" nodeType="withEffect">
-                                  <p:stCondLst>
-                                    <p:cond delay="0"/>
-                                  </p:stCondLst>
-                                  <p:childTnLst>
-                                    <p:set>
-                                      <p:cBhvr>
-                                        <p:cTn id="34" dur="1" fill="hold">
-                                          <p:stCondLst>
-                                            <p:cond delay="0"/>
-                                          </p:stCondLst>
-                                        </p:cTn>
-                                        <p:tgtEl>
-                                          <p:spTgt spid="10"/>
-                                        </p:tgtEl>
-                                        <p:attrNameLst>
-                                          <p:attrName>style.visibility</p:attrName>
-                                        </p:attrNameLst>
-                                      </p:cBhvr>
-                                      <p:to>
-                                        <p:strVal val="hidden"/>
-                                      </p:to>
-                                    </p:set>
-                                  </p:childTnLst>
-                                </p:cTn>
-                              </p:par>
-                              <p:par>
-                                <p:cTn id="35" presetID="1" presetClass="entr" presetSubtype="0" fill="hold" grpId="0" nodeType="withEffect">
-                                  <p:stCondLst>
-                                    <p:cond delay="0"/>
-                                  </p:stCondLst>
-                                  <p:childTnLst>
-                                    <p:set>
-                                      <p:cBhvr>
-                                        <p:cTn id="36" dur="1" fill="hold">
-                                          <p:stCondLst>
-                                            <p:cond delay="0"/>
-                                          </p:stCondLst>
-                                        </p:cTn>
-                                        <p:tgtEl>
-                                          <p:spTgt spid="11"/>
-                                        </p:tgtEl>
-                                        <p:attrNameLst>
-                                          <p:attrName>style.visibility</p:attrName>
-                                        </p:attrNameLst>
-                                      </p:cBhvr>
-                                      <p:to>
-                                        <p:strVal val="visible"/>
-                                      </p:to>
-                                    </p:set>
-                                  </p:childTnLst>
-                                </p:cTn>
-                              </p:par>
-                              <p:par>
-                                <p:cTn id="37" presetID="1" presetClass="entr" presetSubtype="0" fill="hold" grpId="0" nodeType="withEffect">
-                                  <p:stCondLst>
-                                    <p:cond delay="0"/>
-                                  </p:stCondLst>
-                                  <p:childTnLst>
-                                    <p:set>
-                                      <p:cBhvr>
-                                        <p:cTn id="38" dur="1" fill="hold">
-                                          <p:stCondLst>
-                                            <p:cond delay="0"/>
-                                          </p:stCondLst>
-                                        </p:cTn>
-                                        <p:tgtEl>
-                                          <p:spTgt spid="12"/>
-                                        </p:tgtEl>
-                                        <p:attrNameLst>
-                                          <p:attrName>style.visibility</p:attrName>
-                                        </p:attrNameLst>
-                                      </p:cBhvr>
-                                      <p:to>
-                                        <p:strVal val="visible"/>
-                                      </p:to>
-                                    </p:set>
-                                  </p:childTnLst>
-                                </p:cTn>
-                              </p:par>
-                              <p:par>
-                                <p:cTn id="39" presetID="1" presetClass="entr" presetSubtype="0" fill="hold" grpId="0" nodeType="withEffect">
-                                  <p:stCondLst>
-                                    <p:cond delay="0"/>
-                                  </p:stCondLst>
-                                  <p:childTnLst>
-                                    <p:set>
-                                      <p:cBhvr>
-                                        <p:cTn id="40" dur="1" fill="hold">
-                                          <p:stCondLst>
-                                            <p:cond delay="0"/>
-                                          </p:stCondLst>
-                                        </p:cTn>
-                                        <p:tgtEl>
-                                          <p:spTgt spid="13"/>
-                                        </p:tgtEl>
-                                        <p:attrNameLst>
-                                          <p:attrName>style.visibility</p:attrName>
-                                        </p:attrNameLst>
-                                      </p:cBhvr>
-                                      <p:to>
-                                        <p:strVal val="visible"/>
-                                      </p:to>
-                                    </p:set>
-                                  </p:childTnLst>
-                                </p:cTn>
-                              </p:par>
-                            </p:childTnLst>
-                          </p:cTn>
-                        </p:par>
-                      </p:childTnLst>
-                    </p:cTn>
-                  </p:par>
-                </p:childTnLst>
-              </p:cTn>
-              <p:prevCondLst>
-                <p:cond evt="onPrev" delay="0">
-                  <p:tgtEl>
-                    <p:sldTgt/>
-                  </p:tgtEl>
-                </p:cond>
-              </p:prevCondLst>
-              <p:nextCondLst>
-                <p:cond evt="onNext" delay="0">
-                  <p:tgtEl>
-                    <p:sldTgt/>
-                  </p:tgtEl>
-                </p:cond>
-              </p:nextCondLst>
-            </p:seq>
-          </p:childTnLst>
-        </p:cTn>
-      </p:par>
-    </p:tnLst>
-    <p:bldLst>
-      <p:bldP spid="6" grpId="0" animBg="1"/>
-      <p:bldP spid="6" grpId="1" animBg="1"/>
-      <p:bldP spid="7" grpId="0" animBg="1"/>
-      <p:bldP spid="7" grpId="1" animBg="1"/>
-      <p:bldP spid="8" grpId="0" animBg="1"/>
-      <p:bldP spid="8" grpId="1" animBg="1"/>
-      <p:bldP spid="9" grpId="0" animBg="1"/>
-      <p:bldP spid="9" grpId="1" animBg="1"/>
-      <p:bldP spid="10" grpId="0" animBg="1"/>
-      <p:bldP spid="10" grpId="1" animBg="1"/>
-      <p:bldP spid="11" grpId="0" animBg="1"/>
-      <p:bldP spid="12" grpId="0" animBg="1"/>
-      <p:bldP spid="13" grpId="0" animBg="1"/>
-    </p:bldLst>
-  </p:timing>
-</p:sld>
-</file>
-
-<file path=ppt/slides/slide2.xml><?xml version="1.0" encoding="utf-8"?>
-<p:sld xmlns:a="http://schemas.openxmlformats.org/drawingml/2006/main" xmlns:r="http://schemas.openxmlformats.org/officeDocument/2006/relationships" xmlns:p="http://schemas.openxmlformats.org/presentationml/2006/main">
-  <p:cSld name="page2">
-    <p:spTree>
-      <p:nvGrpSpPr>
-        <p:cNvPr id="1" name=""/>
-        <p:cNvGrpSpPr/>
-        <p:nvPr/>
-      </p:nvGrpSpPr>
-      <p:grpSpPr>
-        <a:xfrm>
-          <a:off x="0" y="0"/>
-          <a:ext cx="0" cy="0"/>
-          <a:chOff x="0" y="0"/>
-          <a:chExt cx="0" cy="0"/>
-        </a:xfrm>
-      </p:grpSpPr>
-      <p:sp>
-        <p:nvSpPr>
-          <p:cNvPr id="2" name="Title 1"/>
-          <p:cNvSpPr txBox="1">
-            <a:spLocks noGrp="1"/>
-          </p:cNvSpPr>
-          <p:nvPr>
-            <p:ph type="title" idx="4294967295"/>
-          </p:nvPr>
-        </p:nvSpPr>
-        <p:spPr>
-          <a:xfrm>
-            <a:off x="0" y="301623"/>
-            <a:ext cx="9072567" cy="1262064"/>
-          </a:xfrm>
-        </p:spPr>
-        <p:txBody>
-          <a:bodyPr/>
-          <a:lstStyle/>
-          <a:p>
-            <a:pPr lvl="0" algn="r"/>
-            <a:r>
-              <a:rPr lang="nl-NL" dirty="0" smtClean="0"/>
-              <a:t>Het probleem</a:t>
-            </a:r>
-            <a:endParaRPr lang="nl-NL" dirty="0"/>
-          </a:p>
-        </p:txBody>
-      </p:sp>
-      <p:sp>
-        <p:nvSpPr>
-          <p:cNvPr id="3" name="Text Placeholder 2"/>
-          <p:cNvSpPr txBox="1">
-            <a:spLocks noGrp="1"/>
-          </p:cNvSpPr>
-          <p:nvPr>
-            <p:ph type="body" idx="4294967295"/>
-          </p:nvPr>
-        </p:nvSpPr>
-        <p:spPr>
-          <a:xfrm>
-            <a:off x="287779" y="1768477"/>
-            <a:ext cx="9217029" cy="4989515"/>
-          </a:xfrm>
-        </p:spPr>
-        <p:txBody>
-          <a:bodyPr/>
-          <a:lstStyle/>
-          <a:p>
-            <a:pPr marL="108000" lvl="0" indent="0" algn="ctr">
-              <a:spcBef>
-                <a:spcPts val="0"/>
-              </a:spcBef>
-              <a:spcAft>
-                <a:spcPts val="1415"/>
-              </a:spcAft>
-              <a:buSzPct val="45000"/>
-              <a:buNone/>
-            </a:pPr>
-            <a:r>
-              <a:rPr lang="nl-NL" sz="2000" b="1" kern="1200" dirty="0" smtClean="0">
-                <a:latin typeface="Arial" pitchFamily="18"/>
-                <a:ea typeface="Microsoft YaHei" pitchFamily="2"/>
-              </a:rPr>
-              <a:t>Doel: </a:t>
-            </a:r>
-            <a:r>
-              <a:rPr lang="nl-NL" sz="2000" kern="1200" dirty="0" smtClean="0">
-                <a:latin typeface="Arial" pitchFamily="18"/>
-                <a:ea typeface="Microsoft YaHei" pitchFamily="2"/>
-              </a:rPr>
-              <a:t>De rode auto naar de opening (rechts) op het bord krijgen. </a:t>
-            </a:r>
-          </a:p>
-          <a:p>
-            <a:pPr marL="108000" lvl="0" indent="0" algn="ctr">
-              <a:spcBef>
-                <a:spcPts val="0"/>
-              </a:spcBef>
-              <a:spcAft>
-                <a:spcPts val="1415"/>
-              </a:spcAft>
-              <a:buSzPct val="45000"/>
-              <a:buNone/>
-            </a:pPr>
-            <a:r>
-              <a:rPr lang="nl-NL" sz="2000" b="1" kern="1200" dirty="0" smtClean="0">
-                <a:latin typeface="Arial" pitchFamily="18"/>
-                <a:ea typeface="Microsoft YaHei" pitchFamily="2"/>
-              </a:rPr>
-              <a:t>Probleem: </a:t>
-            </a:r>
-            <a:r>
-              <a:rPr lang="nl-NL" sz="2000" kern="1200" dirty="0" smtClean="0">
-                <a:latin typeface="Arial" pitchFamily="18"/>
-                <a:ea typeface="Microsoft YaHei" pitchFamily="2"/>
-              </a:rPr>
-              <a:t>Andere auto’s staan tussen de rode auto en de ‘uitgang’.</a:t>
-            </a:r>
-          </a:p>
-          <a:p>
-            <a:pPr marL="431999" lvl="0" indent="-323999">
-              <a:spcBef>
-                <a:spcPts val="0"/>
-              </a:spcBef>
-              <a:spcAft>
-                <a:spcPts val="1415"/>
-              </a:spcAft>
-              <a:buSzPct val="45000"/>
-              <a:buFont typeface="StarSymbol"/>
-              <a:buChar char="●"/>
-            </a:pPr>
-            <a:endParaRPr lang="nl-NL" sz="2000" kern="1200" dirty="0" smtClean="0">
-              <a:latin typeface="Arial" pitchFamily="18"/>
-              <a:ea typeface="Microsoft YaHei" pitchFamily="2"/>
-            </a:endParaRPr>
-          </a:p>
-          <a:p>
-            <a:pPr marL="431999" lvl="0" indent="-323999">
-              <a:spcBef>
-                <a:spcPts val="0"/>
-              </a:spcBef>
-              <a:spcAft>
-                <a:spcPts val="1415"/>
-              </a:spcAft>
-              <a:buSzPct val="45000"/>
-              <a:buFont typeface="StarSymbol"/>
-              <a:buChar char="●"/>
-            </a:pPr>
-            <a:endParaRPr lang="nl-NL" sz="2000" kern="1200" dirty="0">
-              <a:latin typeface="Arial" pitchFamily="18"/>
-              <a:ea typeface="Microsoft YaHei" pitchFamily="2"/>
-            </a:endParaRPr>
-          </a:p>
-          <a:p>
-            <a:pPr marL="431999" lvl="0" indent="-323999">
-              <a:spcBef>
-                <a:spcPts val="0"/>
-              </a:spcBef>
-              <a:spcAft>
-                <a:spcPts val="1415"/>
-              </a:spcAft>
-              <a:buSzPct val="45000"/>
-              <a:buFont typeface="StarSymbol"/>
-              <a:buChar char="●"/>
-            </a:pPr>
-            <a:endParaRPr lang="nl-NL" sz="2000" kern="1200" dirty="0" smtClean="0">
-              <a:latin typeface="Arial" pitchFamily="18"/>
-              <a:ea typeface="Microsoft YaHei" pitchFamily="2"/>
-            </a:endParaRPr>
-          </a:p>
-          <a:p>
-            <a:pPr marL="431999" lvl="0" indent="-323999">
-              <a:spcBef>
-                <a:spcPts val="0"/>
-              </a:spcBef>
-              <a:spcAft>
-                <a:spcPts val="1415"/>
-              </a:spcAft>
-              <a:buSzPct val="45000"/>
-              <a:buFont typeface="StarSymbol"/>
-              <a:buChar char="●"/>
-            </a:pPr>
-            <a:endParaRPr lang="nl-NL" sz="2000" kern="1200" dirty="0">
-              <a:latin typeface="Arial" pitchFamily="18"/>
-              <a:ea typeface="Microsoft YaHei" pitchFamily="2"/>
-            </a:endParaRPr>
-          </a:p>
-          <a:p>
-            <a:pPr marL="431999" lvl="0" indent="-323999">
-              <a:spcBef>
-                <a:spcPts val="0"/>
-              </a:spcBef>
-              <a:spcAft>
-                <a:spcPts val="1415"/>
-              </a:spcAft>
-              <a:buSzPct val="45000"/>
-              <a:buFont typeface="StarSymbol"/>
-              <a:buChar char="●"/>
-            </a:pPr>
-            <a:endParaRPr lang="nl-NL" sz="2000" kern="1200" dirty="0" smtClean="0">
-              <a:latin typeface="Arial" pitchFamily="18"/>
-              <a:ea typeface="Microsoft YaHei" pitchFamily="2"/>
-            </a:endParaRPr>
-          </a:p>
-          <a:p>
-            <a:pPr marL="431999" lvl="0" indent="-323999">
-              <a:spcBef>
-                <a:spcPts val="0"/>
-              </a:spcBef>
-              <a:spcAft>
-                <a:spcPts val="1415"/>
-              </a:spcAft>
-              <a:buSzPct val="45000"/>
-              <a:buFont typeface="StarSymbol"/>
-              <a:buChar char="●"/>
-            </a:pPr>
-            <a:endParaRPr lang="nl-NL" sz="2000" kern="1200" dirty="0">
-              <a:latin typeface="Arial" pitchFamily="18"/>
-              <a:ea typeface="Microsoft YaHei" pitchFamily="2"/>
-            </a:endParaRPr>
-          </a:p>
-          <a:p>
-            <a:pPr marL="431999" lvl="0" indent="-323999">
-              <a:spcBef>
-                <a:spcPts val="0"/>
-              </a:spcBef>
-              <a:spcAft>
-                <a:spcPts val="1415"/>
-              </a:spcAft>
-              <a:buSzPct val="45000"/>
-              <a:buFont typeface="StarSymbol"/>
-              <a:buChar char="●"/>
-            </a:pPr>
-            <a:endParaRPr lang="nl-NL" sz="2000" kern="1200" dirty="0" smtClean="0">
-              <a:latin typeface="Arial" pitchFamily="18"/>
-              <a:ea typeface="Microsoft YaHei" pitchFamily="2"/>
-            </a:endParaRPr>
-          </a:p>
-          <a:p>
-            <a:pPr marL="431999" lvl="0" indent="-323999">
-              <a:spcBef>
-                <a:spcPts val="0"/>
-              </a:spcBef>
-              <a:spcAft>
-                <a:spcPts val="1415"/>
-              </a:spcAft>
-              <a:buSzPct val="45000"/>
-              <a:buFont typeface="StarSymbol"/>
-              <a:buChar char="●"/>
-            </a:pPr>
-            <a:endParaRPr lang="nl-NL" sz="2000" kern="1200" dirty="0">
-              <a:latin typeface="Arial" pitchFamily="18"/>
-              <a:ea typeface="Microsoft YaHei" pitchFamily="2"/>
-            </a:endParaRPr>
-          </a:p>
-        </p:txBody>
-      </p:sp>
-      <p:pic>
-        <p:nvPicPr>
-          <p:cNvPr id="4" name="Picture 3"/>
-          <p:cNvPicPr>
-            <a:picLocks noChangeAspect="1"/>
-          </p:cNvPicPr>
-          <p:nvPr/>
-        </p:nvPicPr>
-        <p:blipFill>
-          <a:blip r:embed="rId3">
-            <a:lum/>
-            <a:alphaModFix/>
-          </a:blip>
-          <a:srcRect/>
-          <a:stretch>
-            <a:fillRect/>
-          </a:stretch>
-        </p:blipFill>
-        <p:spPr>
-          <a:xfrm>
             <a:off x="4729919" y="2885969"/>
             <a:ext cx="4384526" cy="3903237"/>
           </a:xfrm>
@@ -10455,78 +7918,6 @@
           </a:p>
         </p:txBody>
       </p:sp>
-    </p:spTree>
-  </p:cSld>
-  <p:clrMapOvr>
-    <a:masterClrMapping/>
-  </p:clrMapOvr>
-  <mc:AlternateContent xmlns:mc="http://schemas.openxmlformats.org/markup-compatibility/2006" xmlns:p14="http://schemas.microsoft.com/office/powerpoint/2010/main">
-    <mc:Choice Requires="p14">
-      <p:transition spd="slow" p14:dur="2000"/>
-    </mc:Choice>
-    <mc:Fallback xmlns="">
-      <p:transition spd="slow"/>
-    </mc:Fallback>
-  </mc:AlternateContent>
-  <p:timing>
-    <p:tnLst>
-      <p:par>
-        <p:cTn id="1" dur="indefinite" restart="never" nodeType="tmRoot"/>
-      </p:par>
-    </p:tnLst>
-  </p:timing>
-</p:sld>
-</file>
-
-<file path=ppt/slides/slide20.xml><?xml version="1.0" encoding="utf-8"?>
-<p:sld xmlns:a="http://schemas.openxmlformats.org/drawingml/2006/main" xmlns:r="http://schemas.openxmlformats.org/officeDocument/2006/relationships" xmlns:p="http://schemas.openxmlformats.org/presentationml/2006/main" show="0">
-  <p:cSld name="page8">
-    <p:spTree>
-      <p:nvGrpSpPr>
-        <p:cNvPr id="1" name=""/>
-        <p:cNvGrpSpPr/>
-        <p:nvPr/>
-      </p:nvGrpSpPr>
-      <p:grpSpPr>
-        <a:xfrm>
-          <a:off x="0" y="0"/>
-          <a:ext cx="0" cy="0"/>
-          <a:chOff x="0" y="0"/>
-          <a:chExt cx="0" cy="0"/>
-        </a:xfrm>
-      </p:grpSpPr>
-      <p:pic>
-        <p:nvPicPr>
-          <p:cNvPr id="2" name="Picture 3"/>
-          <p:cNvPicPr>
-            <a:picLocks noChangeAspect="1"/>
-          </p:cNvPicPr>
-          <p:nvPr/>
-        </p:nvPicPr>
-        <p:blipFill>
-          <a:blip r:embed="rId3">
-            <a:lum/>
-            <a:alphaModFix/>
-          </a:blip>
-          <a:srcRect/>
-          <a:stretch>
-            <a:fillRect/>
-          </a:stretch>
-        </p:blipFill>
-        <p:spPr>
-          <a:xfrm>
-            <a:off x="359788" y="1115540"/>
-            <a:ext cx="6768653" cy="5417847"/>
-          </a:xfrm>
-          <a:prstGeom prst="rect">
-            <a:avLst/>
-          </a:prstGeom>
-          <a:noFill/>
-          <a:ln>
-            <a:noFill/>
-          </a:ln>
-        </p:spPr>
-      </p:pic>
     </p:spTree>
   </p:cSld>
   <p:clrMapOvr>
